--- a/Clean Code.pptx
+++ b/Clean Code.pptx
@@ -7,6 +7,8 @@
   <p:sldIdLst>
     <p:sldId id="256" r:id="rId2"/>
     <p:sldId id="257" r:id="rId3"/>
+    <p:sldId id="258" r:id="rId4"/>
+    <p:sldId id="259" r:id="rId5"/>
   </p:sldIdLst>
   <p:sldSz cx="12192000" cy="6858000"/>
   <p:notesSz cx="6858000" cy="9144000"/>
@@ -6056,6 +6058,258 @@
 </p:sld>
 </file>
 
+<file path=ppt/slides/slide3.xml><?xml version="1.0" encoding="utf-8"?>
+<p:sld xmlns:a="http://schemas.openxmlformats.org/drawingml/2006/main" xmlns:r="http://schemas.openxmlformats.org/officeDocument/2006/relationships" xmlns:p="http://schemas.openxmlformats.org/presentationml/2006/main">
+  <p:cSld>
+    <p:spTree>
+      <p:nvGrpSpPr>
+        <p:cNvPr id="1" name=""/>
+        <p:cNvGrpSpPr/>
+        <p:nvPr/>
+      </p:nvGrpSpPr>
+      <p:grpSpPr>
+        <a:xfrm>
+          <a:off x="0" y="0"/>
+          <a:ext cx="0" cy="0"/>
+          <a:chOff x="0" y="0"/>
+          <a:chExt cx="0" cy="0"/>
+        </a:xfrm>
+      </p:grpSpPr>
+      <p:sp>
+        <p:nvSpPr>
+          <p:cNvPr id="2" name="Title 1"/>
+          <p:cNvSpPr>
+            <a:spLocks noGrp="1"/>
+          </p:cNvSpPr>
+          <p:nvPr>
+            <p:ph type="title"/>
+          </p:nvPr>
+        </p:nvSpPr>
+        <p:spPr/>
+        <p:txBody>
+          <a:bodyPr/>
+          <a:lstStyle/>
+          <a:p>
+            <a:r>
+              <a:rPr lang="en-US" dirty="0" smtClean="0"/>
+              <a:t>What’s the clean</a:t>
+            </a:r>
+            <a:endParaRPr lang="en-US" dirty="0"/>
+          </a:p>
+        </p:txBody>
+      </p:sp>
+      <p:sp>
+        <p:nvSpPr>
+          <p:cNvPr id="3" name="Content Placeholder 2"/>
+          <p:cNvSpPr>
+            <a:spLocks noGrp="1"/>
+          </p:cNvSpPr>
+          <p:nvPr>
+            <p:ph idx="1"/>
+          </p:nvPr>
+        </p:nvSpPr>
+        <p:spPr/>
+        <p:txBody>
+          <a:bodyPr/>
+          <a:lstStyle/>
+          <a:p>
+            <a:r>
+              <a:rPr lang="en-US" dirty="0" smtClean="0"/>
+              <a:t>Clean is everywhere</a:t>
+            </a:r>
+          </a:p>
+          <a:p>
+            <a:endParaRPr lang="en-US" dirty="0"/>
+          </a:p>
+        </p:txBody>
+      </p:sp>
+      <p:pic>
+        <p:nvPicPr>
+          <p:cNvPr id="1028" name="Picture 4" descr="http://pics.oeeee.com/2/a9/2a98d370f94a08b7/Thumb/233500/dcra160906.jpg"/>
+          <p:cNvPicPr>
+            <a:picLocks noChangeAspect="1" noChangeArrowheads="1"/>
+          </p:cNvPicPr>
+          <p:nvPr/>
+        </p:nvPicPr>
+        <p:blipFill>
+          <a:blip r:embed="rId2">
+            <a:extLst>
+              <a:ext uri="{28A0092B-C50C-407E-A947-70E740481C1C}">
+                <a14:useLocalDpi xmlns:a14="http://schemas.microsoft.com/office/drawing/2010/main" val="0"/>
+              </a:ext>
+            </a:extLst>
+          </a:blip>
+          <a:srcRect/>
+          <a:stretch>
+            <a:fillRect/>
+          </a:stretch>
+        </p:blipFill>
+        <p:spPr bwMode="auto">
+          <a:xfrm>
+            <a:off x="433081" y="2758438"/>
+            <a:ext cx="5534445" cy="3689631"/>
+          </a:xfrm>
+          <a:prstGeom prst="rect">
+            <a:avLst/>
+          </a:prstGeom>
+          <a:noFill/>
+          <a:extLst>
+            <a:ext uri="{909E8E84-426E-40DD-AFC4-6F175D3DCCD1}">
+              <a14:hiddenFill xmlns:a14="http://schemas.microsoft.com/office/drawing/2010/main">
+                <a:solidFill>
+                  <a:srgbClr val="FFFFFF"/>
+                </a:solidFill>
+              </a14:hiddenFill>
+            </a:ext>
+          </a:extLst>
+        </p:spPr>
+      </p:pic>
+      <p:pic>
+        <p:nvPicPr>
+          <p:cNvPr id="1032" name="Picture 8" descr="http://a.smart.jcache.com/afiles/i/201304/23/1723967_1366735565acbF.jpg"/>
+          <p:cNvPicPr>
+            <a:picLocks noChangeAspect="1" noChangeArrowheads="1"/>
+          </p:cNvPicPr>
+          <p:nvPr/>
+        </p:nvPicPr>
+        <p:blipFill>
+          <a:blip r:embed="rId3">
+            <a:extLst>
+              <a:ext uri="{28A0092B-C50C-407E-A947-70E740481C1C}">
+                <a14:useLocalDpi xmlns:a14="http://schemas.microsoft.com/office/drawing/2010/main" val="0"/>
+              </a:ext>
+            </a:extLst>
+          </a:blip>
+          <a:srcRect/>
+          <a:stretch>
+            <a:fillRect/>
+          </a:stretch>
+        </p:blipFill>
+        <p:spPr bwMode="auto">
+          <a:xfrm>
+            <a:off x="6246812" y="2758438"/>
+            <a:ext cx="5042651" cy="3781989"/>
+          </a:xfrm>
+          <a:prstGeom prst="rect">
+            <a:avLst/>
+          </a:prstGeom>
+          <a:noFill/>
+          <a:extLst>
+            <a:ext uri="{909E8E84-426E-40DD-AFC4-6F175D3DCCD1}">
+              <a14:hiddenFill xmlns:a14="http://schemas.microsoft.com/office/drawing/2010/main">
+                <a:solidFill>
+                  <a:srgbClr val="FFFFFF"/>
+                </a:solidFill>
+              </a14:hiddenFill>
+            </a:ext>
+          </a:extLst>
+        </p:spPr>
+      </p:pic>
+    </p:spTree>
+    <p:extLst>
+      <p:ext uri="{BB962C8B-B14F-4D97-AF65-F5344CB8AC3E}">
+        <p14:creationId xmlns:p14="http://schemas.microsoft.com/office/powerpoint/2010/main" val="3493261487"/>
+      </p:ext>
+    </p:extLst>
+  </p:cSld>
+  <p:clrMapOvr>
+    <a:masterClrMapping/>
+  </p:clrMapOvr>
+</p:sld>
+</file>
+
+<file path=ppt/slides/slide4.xml><?xml version="1.0" encoding="utf-8"?>
+<p:sld xmlns:a="http://schemas.openxmlformats.org/drawingml/2006/main" xmlns:r="http://schemas.openxmlformats.org/officeDocument/2006/relationships" xmlns:p="http://schemas.openxmlformats.org/presentationml/2006/main">
+  <p:cSld>
+    <p:spTree>
+      <p:nvGrpSpPr>
+        <p:cNvPr id="1" name=""/>
+        <p:cNvGrpSpPr/>
+        <p:nvPr/>
+      </p:nvGrpSpPr>
+      <p:grpSpPr>
+        <a:xfrm>
+          <a:off x="0" y="0"/>
+          <a:ext cx="0" cy="0"/>
+          <a:chOff x="0" y="0"/>
+          <a:chExt cx="0" cy="0"/>
+        </a:xfrm>
+      </p:grpSpPr>
+      <p:sp>
+        <p:nvSpPr>
+          <p:cNvPr id="2" name="Title 1"/>
+          <p:cNvSpPr>
+            <a:spLocks noGrp="1"/>
+          </p:cNvSpPr>
+          <p:nvPr>
+            <p:ph type="title"/>
+          </p:nvPr>
+        </p:nvSpPr>
+        <p:spPr/>
+        <p:txBody>
+          <a:bodyPr/>
+          <a:lstStyle/>
+          <a:p>
+            <a:endParaRPr lang="en-US" dirty="0"/>
+          </a:p>
+        </p:txBody>
+      </p:sp>
+      <p:pic>
+        <p:nvPicPr>
+          <p:cNvPr id="2052" name="Picture 4" descr="http://www.emenpiao.com/UpLoadFile/ImageStore/ArticleImages/13b2c1df-2248-4999-99b7-03fa205d6168.jpg"/>
+          <p:cNvPicPr>
+            <a:picLocks noGrp="1" noChangeAspect="1" noChangeArrowheads="1"/>
+          </p:cNvPicPr>
+          <p:nvPr>
+            <p:ph idx="1"/>
+          </p:nvPr>
+        </p:nvPicPr>
+        <p:blipFill>
+          <a:blip r:embed="rId2">
+            <a:extLst>
+              <a:ext uri="{28A0092B-C50C-407E-A947-70E740481C1C}">
+                <a14:useLocalDpi xmlns:a14="http://schemas.microsoft.com/office/drawing/2010/main" val="0"/>
+              </a:ext>
+            </a:extLst>
+          </a:blip>
+          <a:srcRect/>
+          <a:stretch>
+            <a:fillRect/>
+          </a:stretch>
+        </p:blipFill>
+        <p:spPr bwMode="auto">
+          <a:xfrm>
+            <a:off x="4580318" y="2113598"/>
+            <a:ext cx="5601971" cy="4195762"/>
+          </a:xfrm>
+          <a:prstGeom prst="rect">
+            <a:avLst/>
+          </a:prstGeom>
+          <a:noFill/>
+          <a:extLst>
+            <a:ext uri="{909E8E84-426E-40DD-AFC4-6F175D3DCCD1}">
+              <a14:hiddenFill xmlns:a14="http://schemas.microsoft.com/office/drawing/2010/main">
+                <a:solidFill>
+                  <a:srgbClr val="FFFFFF"/>
+                </a:solidFill>
+              </a14:hiddenFill>
+            </a:ext>
+          </a:extLst>
+        </p:spPr>
+      </p:pic>
+    </p:spTree>
+    <p:extLst>
+      <p:ext uri="{BB962C8B-B14F-4D97-AF65-F5344CB8AC3E}">
+        <p14:creationId xmlns:p14="http://schemas.microsoft.com/office/powerpoint/2010/main" val="3118725052"/>
+      </p:ext>
+    </p:extLst>
+  </p:cSld>
+  <p:clrMapOvr>
+    <a:masterClrMapping/>
+  </p:clrMapOvr>
+</p:sld>
+</file>
+
 <file path=ppt/theme/theme1.xml><?xml version="1.0" encoding="utf-8"?>
 <a:theme xmlns:a="http://schemas.openxmlformats.org/drawingml/2006/main" name="Ion">
   <a:themeElements>

--- a/Clean Code.pptx
+++ b/Clean Code.pptx
@@ -9,6 +9,17 @@
     <p:sldId id="257" r:id="rId3"/>
     <p:sldId id="258" r:id="rId4"/>
     <p:sldId id="259" r:id="rId5"/>
+    <p:sldId id="260" r:id="rId6"/>
+    <p:sldId id="262" r:id="rId7"/>
+    <p:sldId id="263" r:id="rId8"/>
+    <p:sldId id="261" r:id="rId9"/>
+    <p:sldId id="265" r:id="rId10"/>
+    <p:sldId id="264" r:id="rId11"/>
+    <p:sldId id="266" r:id="rId12"/>
+    <p:sldId id="267" r:id="rId13"/>
+    <p:sldId id="268" r:id="rId14"/>
+    <p:sldId id="269" r:id="rId15"/>
+    <p:sldId id="270" r:id="rId16"/>
   </p:sldIdLst>
   <p:sldSz cx="12192000" cy="6858000"/>
   <p:notesSz cx="6858000" cy="9144000"/>
@@ -5976,6 +5987,608 @@
 </p:sld>
 </file>
 
+<file path=ppt/slides/slide10.xml><?xml version="1.0" encoding="utf-8"?>
+<p:sld xmlns:a="http://schemas.openxmlformats.org/drawingml/2006/main" xmlns:r="http://schemas.openxmlformats.org/officeDocument/2006/relationships" xmlns:p="http://schemas.openxmlformats.org/presentationml/2006/main">
+  <p:cSld>
+    <p:spTree>
+      <p:nvGrpSpPr>
+        <p:cNvPr id="1" name=""/>
+        <p:cNvGrpSpPr/>
+        <p:nvPr/>
+      </p:nvGrpSpPr>
+      <p:grpSpPr>
+        <a:xfrm>
+          <a:off x="0" y="0"/>
+          <a:ext cx="0" cy="0"/>
+          <a:chOff x="0" y="0"/>
+          <a:chExt cx="0" cy="0"/>
+        </a:xfrm>
+      </p:grpSpPr>
+      <p:pic>
+        <p:nvPicPr>
+          <p:cNvPr id="6" name="Picture 5"/>
+          <p:cNvPicPr>
+            <a:picLocks noChangeAspect="1"/>
+          </p:cNvPicPr>
+          <p:nvPr/>
+        </p:nvPicPr>
+        <p:blipFill>
+          <a:blip r:embed="rId2"/>
+          <a:stretch>
+            <a:fillRect/>
+          </a:stretch>
+        </p:blipFill>
+        <p:spPr>
+          <a:xfrm>
+            <a:off x="646111" y="1733549"/>
+            <a:ext cx="5086350" cy="4514850"/>
+          </a:xfrm>
+          <a:prstGeom prst="rect">
+            <a:avLst/>
+          </a:prstGeom>
+        </p:spPr>
+      </p:pic>
+      <p:sp>
+        <p:nvSpPr>
+          <p:cNvPr id="2" name="Title 1"/>
+          <p:cNvSpPr>
+            <a:spLocks noGrp="1"/>
+          </p:cNvSpPr>
+          <p:nvPr>
+            <p:ph type="title"/>
+          </p:nvPr>
+        </p:nvSpPr>
+        <p:spPr/>
+        <p:txBody>
+          <a:bodyPr/>
+          <a:lstStyle/>
+          <a:p>
+            <a:r>
+              <a:rPr lang="en-US" dirty="0"/>
+              <a:t>Use Intention-Revealing Names</a:t>
+            </a:r>
+            <a:br>
+              <a:rPr lang="en-US" dirty="0"/>
+            </a:br>
+            <a:endParaRPr lang="en-US" dirty="0"/>
+          </a:p>
+        </p:txBody>
+      </p:sp>
+      <p:sp>
+        <p:nvSpPr>
+          <p:cNvPr id="7" name="Content Placeholder 6"/>
+          <p:cNvSpPr>
+            <a:spLocks noGrp="1"/>
+          </p:cNvSpPr>
+          <p:nvPr>
+            <p:ph idx="1"/>
+          </p:nvPr>
+        </p:nvSpPr>
+        <p:spPr/>
+        <p:txBody>
+          <a:bodyPr/>
+          <a:lstStyle/>
+          <a:p>
+            <a:endParaRPr lang="en-US"/>
+          </a:p>
+        </p:txBody>
+      </p:sp>
+    </p:spTree>
+    <p:extLst>
+      <p:ext uri="{BB962C8B-B14F-4D97-AF65-F5344CB8AC3E}">
+        <p14:creationId xmlns:p14="http://schemas.microsoft.com/office/powerpoint/2010/main" val="1595545470"/>
+      </p:ext>
+    </p:extLst>
+  </p:cSld>
+  <p:clrMapOvr>
+    <a:masterClrMapping/>
+  </p:clrMapOvr>
+</p:sld>
+</file>
+
+<file path=ppt/slides/slide11.xml><?xml version="1.0" encoding="utf-8"?>
+<p:sld xmlns:a="http://schemas.openxmlformats.org/drawingml/2006/main" xmlns:r="http://schemas.openxmlformats.org/officeDocument/2006/relationships" xmlns:p="http://schemas.openxmlformats.org/presentationml/2006/main">
+  <p:cSld>
+    <p:spTree>
+      <p:nvGrpSpPr>
+        <p:cNvPr id="1" name=""/>
+        <p:cNvGrpSpPr/>
+        <p:nvPr/>
+      </p:nvGrpSpPr>
+      <p:grpSpPr>
+        <a:xfrm>
+          <a:off x="0" y="0"/>
+          <a:ext cx="0" cy="0"/>
+          <a:chOff x="0" y="0"/>
+          <a:chExt cx="0" cy="0"/>
+        </a:xfrm>
+      </p:grpSpPr>
+      <p:sp>
+        <p:nvSpPr>
+          <p:cNvPr id="2" name="Title 1"/>
+          <p:cNvSpPr>
+            <a:spLocks noGrp="1"/>
+          </p:cNvSpPr>
+          <p:nvPr>
+            <p:ph type="title"/>
+          </p:nvPr>
+        </p:nvSpPr>
+        <p:spPr/>
+        <p:txBody>
+          <a:bodyPr/>
+          <a:lstStyle/>
+          <a:p>
+            <a:r>
+              <a:rPr lang="en-US" dirty="0"/>
+              <a:t>Avoid Disinformation</a:t>
+            </a:r>
+            <a:br>
+              <a:rPr lang="en-US" dirty="0"/>
+            </a:br>
+            <a:endParaRPr lang="en-US" dirty="0"/>
+          </a:p>
+        </p:txBody>
+      </p:sp>
+      <p:pic>
+        <p:nvPicPr>
+          <p:cNvPr id="4" name="Content Placeholder 3"/>
+          <p:cNvPicPr>
+            <a:picLocks noGrp="1" noChangeAspect="1"/>
+          </p:cNvPicPr>
+          <p:nvPr>
+            <p:ph idx="1"/>
+          </p:nvPr>
+        </p:nvPicPr>
+        <p:blipFill>
+          <a:blip r:embed="rId2"/>
+          <a:stretch>
+            <a:fillRect/>
+          </a:stretch>
+        </p:blipFill>
+        <p:spPr>
+          <a:xfrm>
+            <a:off x="1092708" y="1681829"/>
+            <a:ext cx="4067175" cy="1743075"/>
+          </a:xfrm>
+          <a:prstGeom prst="rect">
+            <a:avLst/>
+          </a:prstGeom>
+        </p:spPr>
+      </p:pic>
+      <p:pic>
+        <p:nvPicPr>
+          <p:cNvPr id="5" name="Picture 4"/>
+          <p:cNvPicPr>
+            <a:picLocks noChangeAspect="1"/>
+          </p:cNvPicPr>
+          <p:nvPr/>
+        </p:nvPicPr>
+        <p:blipFill>
+          <a:blip r:embed="rId3"/>
+          <a:stretch>
+            <a:fillRect/>
+          </a:stretch>
+        </p:blipFill>
+        <p:spPr>
+          <a:xfrm>
+            <a:off x="1102233" y="4095750"/>
+            <a:ext cx="4057650" cy="1714500"/>
+          </a:xfrm>
+          <a:prstGeom prst="rect">
+            <a:avLst/>
+          </a:prstGeom>
+        </p:spPr>
+      </p:pic>
+    </p:spTree>
+    <p:extLst>
+      <p:ext uri="{BB962C8B-B14F-4D97-AF65-F5344CB8AC3E}">
+        <p14:creationId xmlns:p14="http://schemas.microsoft.com/office/powerpoint/2010/main" val="1181514619"/>
+      </p:ext>
+    </p:extLst>
+  </p:cSld>
+  <p:clrMapOvr>
+    <a:masterClrMapping/>
+  </p:clrMapOvr>
+</p:sld>
+</file>
+
+<file path=ppt/slides/slide12.xml><?xml version="1.0" encoding="utf-8"?>
+<p:sld xmlns:a="http://schemas.openxmlformats.org/drawingml/2006/main" xmlns:r="http://schemas.openxmlformats.org/officeDocument/2006/relationships" xmlns:p="http://schemas.openxmlformats.org/presentationml/2006/main">
+  <p:cSld>
+    <p:spTree>
+      <p:nvGrpSpPr>
+        <p:cNvPr id="1" name=""/>
+        <p:cNvGrpSpPr/>
+        <p:nvPr/>
+      </p:nvGrpSpPr>
+      <p:grpSpPr>
+        <a:xfrm>
+          <a:off x="0" y="0"/>
+          <a:ext cx="0" cy="0"/>
+          <a:chOff x="0" y="0"/>
+          <a:chExt cx="0" cy="0"/>
+        </a:xfrm>
+      </p:grpSpPr>
+      <p:sp>
+        <p:nvSpPr>
+          <p:cNvPr id="2" name="Title 1"/>
+          <p:cNvSpPr>
+            <a:spLocks noGrp="1"/>
+          </p:cNvSpPr>
+          <p:nvPr>
+            <p:ph type="title"/>
+          </p:nvPr>
+        </p:nvSpPr>
+        <p:spPr/>
+        <p:txBody>
+          <a:bodyPr/>
+          <a:lstStyle/>
+          <a:p>
+            <a:r>
+              <a:rPr lang="en-US" dirty="0"/>
+              <a:t>Make Meaningful Distinctions</a:t>
+            </a:r>
+            <a:br>
+              <a:rPr lang="en-US" dirty="0"/>
+            </a:br>
+            <a:endParaRPr lang="en-US" dirty="0"/>
+          </a:p>
+        </p:txBody>
+      </p:sp>
+      <p:pic>
+        <p:nvPicPr>
+          <p:cNvPr id="4" name="Content Placeholder 3"/>
+          <p:cNvPicPr>
+            <a:picLocks noGrp="1" noChangeAspect="1"/>
+          </p:cNvPicPr>
+          <p:nvPr>
+            <p:ph idx="1"/>
+          </p:nvPr>
+        </p:nvPicPr>
+        <p:blipFill>
+          <a:blip r:embed="rId2"/>
+          <a:stretch>
+            <a:fillRect/>
+          </a:stretch>
+        </p:blipFill>
+        <p:spPr>
+          <a:xfrm>
+            <a:off x="876872" y="2363438"/>
+            <a:ext cx="6400800" cy="1038225"/>
+          </a:xfrm>
+          <a:prstGeom prst="rect">
+            <a:avLst/>
+          </a:prstGeom>
+        </p:spPr>
+      </p:pic>
+      <p:pic>
+        <p:nvPicPr>
+          <p:cNvPr id="5" name="Picture 4"/>
+          <p:cNvPicPr>
+            <a:picLocks noChangeAspect="1"/>
+          </p:cNvPicPr>
+          <p:nvPr/>
+        </p:nvPicPr>
+        <p:blipFill>
+          <a:blip r:embed="rId3"/>
+          <a:stretch>
+            <a:fillRect/>
+          </a:stretch>
+        </p:blipFill>
+        <p:spPr>
+          <a:xfrm>
+            <a:off x="876872" y="4311396"/>
+            <a:ext cx="7858125" cy="990600"/>
+          </a:xfrm>
+          <a:prstGeom prst="rect">
+            <a:avLst/>
+          </a:prstGeom>
+        </p:spPr>
+      </p:pic>
+    </p:spTree>
+    <p:extLst>
+      <p:ext uri="{BB962C8B-B14F-4D97-AF65-F5344CB8AC3E}">
+        <p14:creationId xmlns:p14="http://schemas.microsoft.com/office/powerpoint/2010/main" val="3338571717"/>
+      </p:ext>
+    </p:extLst>
+  </p:cSld>
+  <p:clrMapOvr>
+    <a:masterClrMapping/>
+  </p:clrMapOvr>
+</p:sld>
+</file>
+
+<file path=ppt/slides/slide13.xml><?xml version="1.0" encoding="utf-8"?>
+<p:sld xmlns:a="http://schemas.openxmlformats.org/drawingml/2006/main" xmlns:r="http://schemas.openxmlformats.org/officeDocument/2006/relationships" xmlns:p="http://schemas.openxmlformats.org/presentationml/2006/main">
+  <p:cSld>
+    <p:spTree>
+      <p:nvGrpSpPr>
+        <p:cNvPr id="1" name=""/>
+        <p:cNvGrpSpPr/>
+        <p:nvPr/>
+      </p:nvGrpSpPr>
+      <p:grpSpPr>
+        <a:xfrm>
+          <a:off x="0" y="0"/>
+          <a:ext cx="0" cy="0"/>
+          <a:chOff x="0" y="0"/>
+          <a:chExt cx="0" cy="0"/>
+        </a:xfrm>
+      </p:grpSpPr>
+      <p:sp>
+        <p:nvSpPr>
+          <p:cNvPr id="2" name="Title 1"/>
+          <p:cNvSpPr>
+            <a:spLocks noGrp="1"/>
+          </p:cNvSpPr>
+          <p:nvPr>
+            <p:ph type="title"/>
+          </p:nvPr>
+        </p:nvSpPr>
+        <p:spPr/>
+        <p:txBody>
+          <a:bodyPr/>
+          <a:lstStyle/>
+          <a:p>
+            <a:r>
+              <a:rPr lang="en-US" dirty="0" smtClean="0"/>
+              <a:t>Function</a:t>
+            </a:r>
+            <a:endParaRPr lang="en-US" dirty="0"/>
+          </a:p>
+        </p:txBody>
+      </p:sp>
+      <p:sp>
+        <p:nvSpPr>
+          <p:cNvPr id="3" name="Content Placeholder 2"/>
+          <p:cNvSpPr>
+            <a:spLocks noGrp="1"/>
+          </p:cNvSpPr>
+          <p:nvPr>
+            <p:ph idx="1"/>
+          </p:nvPr>
+        </p:nvSpPr>
+        <p:spPr/>
+        <p:txBody>
+          <a:bodyPr/>
+          <a:lstStyle/>
+          <a:p>
+            <a:r>
+              <a:rPr lang="en-US" dirty="0" smtClean="0"/>
+              <a:t>Small is important</a:t>
+            </a:r>
+          </a:p>
+          <a:p>
+            <a:r>
+              <a:rPr lang="en-US" dirty="0" smtClean="0"/>
+              <a:t>Do one thing</a:t>
+            </a:r>
+          </a:p>
+          <a:p>
+            <a:r>
+              <a:rPr lang="en-US" dirty="0" smtClean="0"/>
+              <a:t>One level of Abstraction per Function</a:t>
+            </a:r>
+          </a:p>
+          <a:p>
+            <a:r>
+              <a:rPr lang="en-US" dirty="0" smtClean="0"/>
+              <a:t>Switch Statements</a:t>
+            </a:r>
+          </a:p>
+          <a:p>
+            <a:r>
+              <a:rPr lang="en-US" dirty="0" smtClean="0"/>
+              <a:t>Function Arguments</a:t>
+            </a:r>
+          </a:p>
+          <a:p>
+            <a:r>
+              <a:rPr lang="en-US" dirty="0" smtClean="0"/>
+              <a:t>Command Query Separation</a:t>
+            </a:r>
+          </a:p>
+          <a:p>
+            <a:r>
+              <a:rPr lang="en-US" dirty="0" smtClean="0"/>
+              <a:t>Prefer Exceptions to Returning Error Codes</a:t>
+            </a:r>
+          </a:p>
+          <a:p>
+            <a:endParaRPr lang="en-US" dirty="0"/>
+          </a:p>
+        </p:txBody>
+      </p:sp>
+    </p:spTree>
+    <p:extLst>
+      <p:ext uri="{BB962C8B-B14F-4D97-AF65-F5344CB8AC3E}">
+        <p14:creationId xmlns:p14="http://schemas.microsoft.com/office/powerpoint/2010/main" val="439358421"/>
+      </p:ext>
+    </p:extLst>
+  </p:cSld>
+  <p:clrMapOvr>
+    <a:masterClrMapping/>
+  </p:clrMapOvr>
+</p:sld>
+</file>
+
+<file path=ppt/slides/slide14.xml><?xml version="1.0" encoding="utf-8"?>
+<p:sld xmlns:a="http://schemas.openxmlformats.org/drawingml/2006/main" xmlns:r="http://schemas.openxmlformats.org/officeDocument/2006/relationships" xmlns:p="http://schemas.openxmlformats.org/presentationml/2006/main">
+  <p:cSld>
+    <p:spTree>
+      <p:nvGrpSpPr>
+        <p:cNvPr id="1" name=""/>
+        <p:cNvGrpSpPr/>
+        <p:nvPr/>
+      </p:nvGrpSpPr>
+      <p:grpSpPr>
+        <a:xfrm>
+          <a:off x="0" y="0"/>
+          <a:ext cx="0" cy="0"/>
+          <a:chOff x="0" y="0"/>
+          <a:chExt cx="0" cy="0"/>
+        </a:xfrm>
+      </p:grpSpPr>
+      <p:sp>
+        <p:nvSpPr>
+          <p:cNvPr id="2" name="Title 1"/>
+          <p:cNvSpPr>
+            <a:spLocks noGrp="1"/>
+          </p:cNvSpPr>
+          <p:nvPr>
+            <p:ph type="title"/>
+          </p:nvPr>
+        </p:nvSpPr>
+        <p:spPr/>
+        <p:txBody>
+          <a:bodyPr/>
+          <a:lstStyle/>
+          <a:p>
+            <a:r>
+              <a:rPr lang="en-US" dirty="0" smtClean="0"/>
+              <a:t>Small is very important</a:t>
+            </a:r>
+            <a:endParaRPr lang="en-US" dirty="0"/>
+          </a:p>
+        </p:txBody>
+      </p:sp>
+      <p:sp>
+        <p:nvSpPr>
+          <p:cNvPr id="3" name="Content Placeholder 2"/>
+          <p:cNvSpPr>
+            <a:spLocks noGrp="1"/>
+          </p:cNvSpPr>
+          <p:nvPr>
+            <p:ph idx="1"/>
+          </p:nvPr>
+        </p:nvSpPr>
+        <p:spPr/>
+        <p:txBody>
+          <a:bodyPr/>
+          <a:lstStyle/>
+          <a:p>
+            <a:r>
+              <a:rPr lang="en-US" dirty="0" smtClean="0"/>
+              <a:t>??</a:t>
+            </a:r>
+          </a:p>
+          <a:p>
+            <a:r>
+              <a:rPr lang="en-US" dirty="0" smtClean="0"/>
+              <a:t>Miller</a:t>
+            </a:r>
+          </a:p>
+          <a:p>
+            <a:r>
+              <a:rPr lang="en-US" dirty="0"/>
+              <a:t> </a:t>
+            </a:r>
+            <a:r>
+              <a:rPr lang="en-US" dirty="0" smtClean="0"/>
+              <a:t>   </a:t>
+            </a:r>
+            <a:r>
+              <a:rPr lang="en-US" sz="2400" i="1" dirty="0" smtClean="0">
+                <a:latin typeface="Arabic Typesetting" panose="03020402040406030203" pitchFamily="66" charset="-78"/>
+                <a:cs typeface="Arabic Typesetting" panose="03020402040406030203" pitchFamily="66" charset="-78"/>
+              </a:rPr>
+              <a:t>The number of objects an average human can hold in </a:t>
+            </a:r>
+            <a:r>
+              <a:rPr lang="en-US" sz="2400" i="1" dirty="0">
+                <a:latin typeface="Arabic Typesetting" panose="03020402040406030203" pitchFamily="66" charset="-78"/>
+                <a:cs typeface="Arabic Typesetting" panose="03020402040406030203" pitchFamily="66" charset="-78"/>
+              </a:rPr>
+              <a:t>working memory is 7±2</a:t>
+            </a:r>
+          </a:p>
+        </p:txBody>
+      </p:sp>
+    </p:spTree>
+    <p:extLst>
+      <p:ext uri="{BB962C8B-B14F-4D97-AF65-F5344CB8AC3E}">
+        <p14:creationId xmlns:p14="http://schemas.microsoft.com/office/powerpoint/2010/main" val="646967494"/>
+      </p:ext>
+    </p:extLst>
+  </p:cSld>
+  <p:clrMapOvr>
+    <a:masterClrMapping/>
+  </p:clrMapOvr>
+</p:sld>
+</file>
+
+<file path=ppt/slides/slide15.xml><?xml version="1.0" encoding="utf-8"?>
+<p:sld xmlns:a="http://schemas.openxmlformats.org/drawingml/2006/main" xmlns:r="http://schemas.openxmlformats.org/officeDocument/2006/relationships" xmlns:p="http://schemas.openxmlformats.org/presentationml/2006/main">
+  <p:cSld>
+    <p:spTree>
+      <p:nvGrpSpPr>
+        <p:cNvPr id="1" name=""/>
+        <p:cNvGrpSpPr/>
+        <p:nvPr/>
+      </p:nvGrpSpPr>
+      <p:grpSpPr>
+        <a:xfrm>
+          <a:off x="0" y="0"/>
+          <a:ext cx="0" cy="0"/>
+          <a:chOff x="0" y="0"/>
+          <a:chExt cx="0" cy="0"/>
+        </a:xfrm>
+      </p:grpSpPr>
+      <p:sp>
+        <p:nvSpPr>
+          <p:cNvPr id="2" name="Title 1"/>
+          <p:cNvSpPr>
+            <a:spLocks noGrp="1"/>
+          </p:cNvSpPr>
+          <p:nvPr>
+            <p:ph type="title"/>
+          </p:nvPr>
+        </p:nvSpPr>
+        <p:spPr/>
+        <p:txBody>
+          <a:bodyPr/>
+          <a:lstStyle/>
+          <a:p>
+            <a:r>
+              <a:rPr lang="en-US" dirty="0" smtClean="0"/>
+              <a:t>Do one thing</a:t>
+            </a:r>
+            <a:endParaRPr lang="en-US" dirty="0"/>
+          </a:p>
+        </p:txBody>
+      </p:sp>
+      <p:sp>
+        <p:nvSpPr>
+          <p:cNvPr id="3" name="Content Placeholder 2"/>
+          <p:cNvSpPr>
+            <a:spLocks noGrp="1"/>
+          </p:cNvSpPr>
+          <p:nvPr>
+            <p:ph idx="1"/>
+          </p:nvPr>
+        </p:nvSpPr>
+        <p:spPr/>
+        <p:txBody>
+          <a:bodyPr/>
+          <a:lstStyle/>
+          <a:p>
+            <a:endParaRPr lang="en-US"/>
+          </a:p>
+        </p:txBody>
+      </p:sp>
+    </p:spTree>
+    <p:extLst>
+      <p:ext uri="{BB962C8B-B14F-4D97-AF65-F5344CB8AC3E}">
+        <p14:creationId xmlns:p14="http://schemas.microsoft.com/office/powerpoint/2010/main" val="1318551769"/>
+      </p:ext>
+    </p:extLst>
+  </p:cSld>
+  <p:clrMapOvr>
+    <a:masterClrMapping/>
+  </p:clrMapOvr>
+</p:sld>
+</file>
+
 <file path=ppt/slides/slide2.xml><?xml version="1.0" encoding="utf-8"?>
 <p:sld xmlns:a="http://schemas.openxmlformats.org/drawingml/2006/main" xmlns:r="http://schemas.openxmlformats.org/officeDocument/2006/relationships" xmlns:p="http://schemas.openxmlformats.org/presentationml/2006/main">
   <p:cSld>
@@ -6115,10 +6728,8 @@
           <a:p>
             <a:r>
               <a:rPr lang="en-US" dirty="0" smtClean="0"/>
-              <a:t>Clean is everywhere</a:t>
-            </a:r>
-          </a:p>
-          <a:p>
+              <a:t>Can you get the book what you want to read?</a:t>
+            </a:r>
             <a:endParaRPr lang="en-US" dirty="0"/>
           </a:p>
         </p:txBody>
@@ -6250,6 +6861,10 @@
           <a:bodyPr/>
           <a:lstStyle/>
           <a:p>
+            <a:r>
+              <a:rPr lang="en-US" dirty="0" smtClean="0"/>
+              <a:t>Can you get book what you want easily?</a:t>
+            </a:r>
             <a:endParaRPr lang="en-US" dirty="0"/>
           </a:p>
         </p:txBody>
@@ -6279,7 +6894,7 @@
         </p:blipFill>
         <p:spPr bwMode="auto">
           <a:xfrm>
-            <a:off x="4580318" y="2113598"/>
+            <a:off x="776414" y="2162366"/>
             <a:ext cx="5601971" cy="4195762"/>
           </a:xfrm>
           <a:prstGeom prst="rect">
@@ -6301,6 +6916,560 @@
     <p:extLst>
       <p:ext uri="{BB962C8B-B14F-4D97-AF65-F5344CB8AC3E}">
         <p14:creationId xmlns:p14="http://schemas.microsoft.com/office/powerpoint/2010/main" val="3118725052"/>
+      </p:ext>
+    </p:extLst>
+  </p:cSld>
+  <p:clrMapOvr>
+    <a:masterClrMapping/>
+  </p:clrMapOvr>
+</p:sld>
+</file>
+
+<file path=ppt/slides/slide5.xml><?xml version="1.0" encoding="utf-8"?>
+<p:sld xmlns:a="http://schemas.openxmlformats.org/drawingml/2006/main" xmlns:r="http://schemas.openxmlformats.org/officeDocument/2006/relationships" xmlns:p="http://schemas.openxmlformats.org/presentationml/2006/main">
+  <p:cSld>
+    <p:spTree>
+      <p:nvGrpSpPr>
+        <p:cNvPr id="1" name=""/>
+        <p:cNvGrpSpPr/>
+        <p:nvPr/>
+      </p:nvGrpSpPr>
+      <p:grpSpPr>
+        <a:xfrm>
+          <a:off x="0" y="0"/>
+          <a:ext cx="0" cy="0"/>
+          <a:chOff x="0" y="0"/>
+          <a:chExt cx="0" cy="0"/>
+        </a:xfrm>
+      </p:grpSpPr>
+      <p:sp>
+        <p:nvSpPr>
+          <p:cNvPr id="2" name="Title 1"/>
+          <p:cNvSpPr>
+            <a:spLocks noGrp="1"/>
+          </p:cNvSpPr>
+          <p:nvPr>
+            <p:ph type="title"/>
+          </p:nvPr>
+        </p:nvSpPr>
+        <p:spPr/>
+        <p:txBody>
+          <a:bodyPr/>
+          <a:lstStyle/>
+          <a:p>
+            <a:r>
+              <a:rPr lang="en-US" dirty="0" smtClean="0"/>
+              <a:t>Clean Code</a:t>
+            </a:r>
+            <a:endParaRPr lang="en-US" dirty="0"/>
+          </a:p>
+        </p:txBody>
+      </p:sp>
+      <p:sp>
+        <p:nvSpPr>
+          <p:cNvPr id="4" name="Content Placeholder 3"/>
+          <p:cNvSpPr>
+            <a:spLocks noGrp="1"/>
+          </p:cNvSpPr>
+          <p:nvPr>
+            <p:ph idx="1"/>
+          </p:nvPr>
+        </p:nvSpPr>
+        <p:spPr/>
+        <p:txBody>
+          <a:bodyPr/>
+          <a:lstStyle/>
+          <a:p>
+            <a:r>
+              <a:rPr lang="en-US" dirty="0" smtClean="0"/>
+              <a:t>WTF</a:t>
+            </a:r>
+          </a:p>
+          <a:p>
+            <a:endParaRPr lang="en-US" dirty="0"/>
+          </a:p>
+        </p:txBody>
+      </p:sp>
+      <p:pic>
+        <p:nvPicPr>
+          <p:cNvPr id="6" name="Picture 2" descr="http://media-cache-ak0.pinimg.com/736x/e3/50/d7/e350d7e93e3d3d7cd49b4237caac84a5.jpg"/>
+          <p:cNvPicPr>
+            <a:picLocks noChangeAspect="1" noChangeArrowheads="1"/>
+          </p:cNvPicPr>
+          <p:nvPr/>
+        </p:nvPicPr>
+        <p:blipFill>
+          <a:blip r:embed="rId2">
+            <a:extLst>
+              <a:ext uri="{28A0092B-C50C-407E-A947-70E740481C1C}">
+                <a14:useLocalDpi xmlns:a14="http://schemas.microsoft.com/office/drawing/2010/main" val="0"/>
+              </a:ext>
+            </a:extLst>
+          </a:blip>
+          <a:srcRect/>
+          <a:stretch>
+            <a:fillRect/>
+          </a:stretch>
+        </p:blipFill>
+        <p:spPr bwMode="auto">
+          <a:xfrm>
+            <a:off x="1280094" y="2590494"/>
+            <a:ext cx="6498401" cy="3657905"/>
+          </a:xfrm>
+          <a:prstGeom prst="rect">
+            <a:avLst/>
+          </a:prstGeom>
+          <a:noFill/>
+          <a:extLst>
+            <a:ext uri="{909E8E84-426E-40DD-AFC4-6F175D3DCCD1}">
+              <a14:hiddenFill xmlns:a14="http://schemas.microsoft.com/office/drawing/2010/main">
+                <a:solidFill>
+                  <a:srgbClr val="FFFFFF"/>
+                </a:solidFill>
+              </a14:hiddenFill>
+            </a:ext>
+          </a:extLst>
+        </p:spPr>
+      </p:pic>
+    </p:spTree>
+    <p:extLst>
+      <p:ext uri="{BB962C8B-B14F-4D97-AF65-F5344CB8AC3E}">
+        <p14:creationId xmlns:p14="http://schemas.microsoft.com/office/powerpoint/2010/main" val="2340332303"/>
+      </p:ext>
+    </p:extLst>
+  </p:cSld>
+  <p:clrMapOvr>
+    <a:masterClrMapping/>
+  </p:clrMapOvr>
+</p:sld>
+</file>
+
+<file path=ppt/slides/slide6.xml><?xml version="1.0" encoding="utf-8"?>
+<p:sld xmlns:a="http://schemas.openxmlformats.org/drawingml/2006/main" xmlns:r="http://schemas.openxmlformats.org/officeDocument/2006/relationships" xmlns:p="http://schemas.openxmlformats.org/presentationml/2006/main">
+  <p:cSld>
+    <p:spTree>
+      <p:nvGrpSpPr>
+        <p:cNvPr id="1" name=""/>
+        <p:cNvGrpSpPr/>
+        <p:nvPr/>
+      </p:nvGrpSpPr>
+      <p:grpSpPr>
+        <a:xfrm>
+          <a:off x="0" y="0"/>
+          <a:ext cx="0" cy="0"/>
+          <a:chOff x="0" y="0"/>
+          <a:chExt cx="0" cy="0"/>
+        </a:xfrm>
+      </p:grpSpPr>
+      <p:sp>
+        <p:nvSpPr>
+          <p:cNvPr id="2" name="Title 1"/>
+          <p:cNvSpPr>
+            <a:spLocks noGrp="1"/>
+          </p:cNvSpPr>
+          <p:nvPr>
+            <p:ph type="title"/>
+          </p:nvPr>
+        </p:nvSpPr>
+        <p:spPr/>
+        <p:txBody>
+          <a:bodyPr/>
+          <a:lstStyle/>
+          <a:p>
+            <a:r>
+              <a:rPr lang="en-US" dirty="0" smtClean="0"/>
+              <a:t>Productivity VS. Time</a:t>
+            </a:r>
+            <a:endParaRPr lang="en-US" dirty="0"/>
+          </a:p>
+        </p:txBody>
+      </p:sp>
+      <p:pic>
+        <p:nvPicPr>
+          <p:cNvPr id="4" name="Content Placeholder 3"/>
+          <p:cNvPicPr>
+            <a:picLocks noGrp="1" noChangeAspect="1"/>
+          </p:cNvPicPr>
+          <p:nvPr>
+            <p:ph idx="1"/>
+          </p:nvPr>
+        </p:nvPicPr>
+        <p:blipFill>
+          <a:blip r:embed="rId2"/>
+          <a:stretch>
+            <a:fillRect/>
+          </a:stretch>
+        </p:blipFill>
+        <p:spPr>
+          <a:xfrm>
+            <a:off x="1366838" y="2146458"/>
+            <a:ext cx="7460170" cy="4550175"/>
+          </a:xfrm>
+          <a:prstGeom prst="rect">
+            <a:avLst/>
+          </a:prstGeom>
+        </p:spPr>
+      </p:pic>
+    </p:spTree>
+    <p:extLst>
+      <p:ext uri="{BB962C8B-B14F-4D97-AF65-F5344CB8AC3E}">
+        <p14:creationId xmlns:p14="http://schemas.microsoft.com/office/powerpoint/2010/main" val="2568904367"/>
+      </p:ext>
+    </p:extLst>
+  </p:cSld>
+  <p:clrMapOvr>
+    <a:masterClrMapping/>
+  </p:clrMapOvr>
+</p:sld>
+</file>
+
+<file path=ppt/slides/slide7.xml><?xml version="1.0" encoding="utf-8"?>
+<p:sld xmlns:a="http://schemas.openxmlformats.org/drawingml/2006/main" xmlns:r="http://schemas.openxmlformats.org/officeDocument/2006/relationships" xmlns:p="http://schemas.openxmlformats.org/presentationml/2006/main">
+  <p:cSld>
+    <p:spTree>
+      <p:nvGrpSpPr>
+        <p:cNvPr id="1" name=""/>
+        <p:cNvGrpSpPr/>
+        <p:nvPr/>
+      </p:nvGrpSpPr>
+      <p:grpSpPr>
+        <a:xfrm>
+          <a:off x="0" y="0"/>
+          <a:ext cx="0" cy="0"/>
+          <a:chOff x="0" y="0"/>
+          <a:chExt cx="0" cy="0"/>
+        </a:xfrm>
+      </p:grpSpPr>
+      <p:sp>
+        <p:nvSpPr>
+          <p:cNvPr id="2" name="Title 1"/>
+          <p:cNvSpPr>
+            <a:spLocks noGrp="1"/>
+          </p:cNvSpPr>
+          <p:nvPr>
+            <p:ph type="title"/>
+          </p:nvPr>
+        </p:nvSpPr>
+        <p:spPr/>
+        <p:txBody>
+          <a:bodyPr/>
+          <a:lstStyle/>
+          <a:p>
+            <a:r>
+              <a:rPr lang="en-US" dirty="0" smtClean="0"/>
+              <a:t>Clean code</a:t>
+            </a:r>
+            <a:endParaRPr lang="en-US" dirty="0"/>
+          </a:p>
+        </p:txBody>
+      </p:sp>
+      <p:sp>
+        <p:nvSpPr>
+          <p:cNvPr id="3" name="Content Placeholder 2"/>
+          <p:cNvSpPr>
+            <a:spLocks noGrp="1"/>
+          </p:cNvSpPr>
+          <p:nvPr>
+            <p:ph idx="1"/>
+          </p:nvPr>
+        </p:nvSpPr>
+        <p:spPr/>
+        <p:txBody>
+          <a:bodyPr/>
+          <a:lstStyle/>
+          <a:p>
+            <a:r>
+              <a:rPr lang="en-US" dirty="0" smtClean="0"/>
+              <a:t>Bjarne </a:t>
+            </a:r>
+            <a:r>
+              <a:rPr lang="en-US" dirty="0" err="1" smtClean="0"/>
+              <a:t>Stroustrup</a:t>
+            </a:r>
+            <a:endParaRPr lang="en-US" dirty="0" smtClean="0"/>
+          </a:p>
+          <a:p>
+            <a:r>
+              <a:rPr lang="en-US" dirty="0"/>
+              <a:t> </a:t>
+            </a:r>
+            <a:r>
+              <a:rPr lang="en-US" dirty="0" smtClean="0"/>
+              <a:t>     </a:t>
+            </a:r>
+            <a:r>
+              <a:rPr lang="en-US" sz="2800" i="1" dirty="0" smtClean="0">
+                <a:latin typeface="Arabic Typesetting" panose="03020402040406030203" pitchFamily="66" charset="-78"/>
+                <a:cs typeface="Arabic Typesetting" panose="03020402040406030203" pitchFamily="66" charset="-78"/>
+              </a:rPr>
+              <a:t>I like my code to be elegant and efficient.</a:t>
+            </a:r>
+            <a:r>
+              <a:rPr lang="en-US" i="1" dirty="0" smtClean="0"/>
+              <a:t> </a:t>
+            </a:r>
+          </a:p>
+          <a:p>
+            <a:r>
+              <a:rPr lang="en-US" i="1" dirty="0" smtClean="0"/>
+              <a:t>Grady </a:t>
+            </a:r>
+            <a:r>
+              <a:rPr lang="en-US" i="1" dirty="0" err="1" smtClean="0"/>
+              <a:t>Booch</a:t>
+            </a:r>
+            <a:endParaRPr lang="en-US" i="1" dirty="0" smtClean="0"/>
+          </a:p>
+          <a:p>
+            <a:r>
+              <a:rPr lang="en-US" sz="2800" i="1" dirty="0" smtClean="0">
+                <a:latin typeface="Arabic Typesetting" panose="03020402040406030203" pitchFamily="66" charset="-78"/>
+                <a:cs typeface="Arabic Typesetting" panose="03020402040406030203" pitchFamily="66" charset="-78"/>
+              </a:rPr>
+              <a:t>     Clean </a:t>
+            </a:r>
+            <a:r>
+              <a:rPr lang="en-US" sz="2800" i="1" dirty="0">
+                <a:latin typeface="Arabic Typesetting" panose="03020402040406030203" pitchFamily="66" charset="-78"/>
+                <a:cs typeface="Arabic Typesetting" panose="03020402040406030203" pitchFamily="66" charset="-78"/>
+              </a:rPr>
+              <a:t>code is simple and direct. Clean code reads like will-written prose. </a:t>
+            </a:r>
+            <a:endParaRPr lang="en-US" sz="2800" i="1" dirty="0" smtClean="0">
+              <a:latin typeface="Arabic Typesetting" panose="03020402040406030203" pitchFamily="66" charset="-78"/>
+              <a:cs typeface="Arabic Typesetting" panose="03020402040406030203" pitchFamily="66" charset="-78"/>
+            </a:endParaRPr>
+          </a:p>
+          <a:p>
+            <a:r>
+              <a:rPr lang="en-US" sz="2800" i="1" dirty="0" smtClean="0">
+                <a:latin typeface="Arabic Typesetting" panose="03020402040406030203" pitchFamily="66" charset="-78"/>
+                <a:cs typeface="Arabic Typesetting" panose="03020402040406030203" pitchFamily="66" charset="-78"/>
+              </a:rPr>
+              <a:t>Dave Thomas</a:t>
+            </a:r>
+          </a:p>
+          <a:p>
+            <a:r>
+              <a:rPr lang="en-US" sz="2800" i="1" dirty="0" smtClean="0">
+                <a:latin typeface="Arabic Typesetting" panose="03020402040406030203" pitchFamily="66" charset="-78"/>
+                <a:cs typeface="Arabic Typesetting" panose="03020402040406030203" pitchFamily="66" charset="-78"/>
+              </a:rPr>
+              <a:t>    Clean code can be read, and enhanced by a developer other than its original author. It has meaningful names. </a:t>
+            </a:r>
+            <a:endParaRPr lang="en-US" sz="2600" i="1" dirty="0">
+              <a:latin typeface="Arabic Typesetting" panose="03020402040406030203" pitchFamily="66" charset="-78"/>
+              <a:cs typeface="Arabic Typesetting" panose="03020402040406030203" pitchFamily="66" charset="-78"/>
+            </a:endParaRPr>
+          </a:p>
+          <a:p>
+            <a:endParaRPr lang="en-US" dirty="0"/>
+          </a:p>
+        </p:txBody>
+      </p:sp>
+    </p:spTree>
+    <p:extLst>
+      <p:ext uri="{BB962C8B-B14F-4D97-AF65-F5344CB8AC3E}">
+        <p14:creationId xmlns:p14="http://schemas.microsoft.com/office/powerpoint/2010/main" val="3441158370"/>
+      </p:ext>
+    </p:extLst>
+  </p:cSld>
+  <p:clrMapOvr>
+    <a:masterClrMapping/>
+  </p:clrMapOvr>
+</p:sld>
+</file>
+
+<file path=ppt/slides/slide8.xml><?xml version="1.0" encoding="utf-8"?>
+<p:sld xmlns:a="http://schemas.openxmlformats.org/drawingml/2006/main" xmlns:r="http://schemas.openxmlformats.org/officeDocument/2006/relationships" xmlns:p="http://schemas.openxmlformats.org/presentationml/2006/main">
+  <p:cSld>
+    <p:spTree>
+      <p:nvGrpSpPr>
+        <p:cNvPr id="1" name=""/>
+        <p:cNvGrpSpPr/>
+        <p:nvPr/>
+      </p:nvGrpSpPr>
+      <p:grpSpPr>
+        <a:xfrm>
+          <a:off x="0" y="0"/>
+          <a:ext cx="0" cy="0"/>
+          <a:chOff x="0" y="0"/>
+          <a:chExt cx="0" cy="0"/>
+        </a:xfrm>
+      </p:grpSpPr>
+      <p:sp>
+        <p:nvSpPr>
+          <p:cNvPr id="2" name="Title 1"/>
+          <p:cNvSpPr>
+            <a:spLocks noGrp="1"/>
+          </p:cNvSpPr>
+          <p:nvPr>
+            <p:ph type="title"/>
+          </p:nvPr>
+        </p:nvSpPr>
+        <p:spPr/>
+        <p:txBody>
+          <a:bodyPr/>
+          <a:lstStyle/>
+          <a:p>
+            <a:r>
+              <a:rPr lang="en-US" dirty="0" smtClean="0"/>
+              <a:t>How to write clean codes</a:t>
+            </a:r>
+            <a:endParaRPr lang="en-US" dirty="0"/>
+          </a:p>
+        </p:txBody>
+      </p:sp>
+      <p:sp>
+        <p:nvSpPr>
+          <p:cNvPr id="3" name="Content Placeholder 2"/>
+          <p:cNvSpPr>
+            <a:spLocks noGrp="1"/>
+          </p:cNvSpPr>
+          <p:nvPr>
+            <p:ph idx="1"/>
+          </p:nvPr>
+        </p:nvSpPr>
+        <p:spPr/>
+        <p:txBody>
+          <a:bodyPr/>
+          <a:lstStyle/>
+          <a:p>
+            <a:r>
+              <a:rPr lang="en-US" dirty="0" smtClean="0"/>
+              <a:t>Name</a:t>
+            </a:r>
+          </a:p>
+          <a:p>
+            <a:r>
+              <a:rPr lang="en-US" dirty="0" smtClean="0"/>
+              <a:t>Function</a:t>
+            </a:r>
+          </a:p>
+          <a:p>
+            <a:r>
+              <a:rPr lang="en-US" dirty="0" smtClean="0"/>
+              <a:t>Comments</a:t>
+            </a:r>
+          </a:p>
+          <a:p>
+            <a:r>
+              <a:rPr lang="en-US" dirty="0" smtClean="0"/>
+              <a:t>Formatting</a:t>
+            </a:r>
+          </a:p>
+          <a:p>
+            <a:r>
+              <a:rPr lang="en-US" dirty="0" smtClean="0"/>
+              <a:t>Objects and Data Structures</a:t>
+            </a:r>
+          </a:p>
+          <a:p>
+            <a:r>
+              <a:rPr lang="en-US" dirty="0" smtClean="0"/>
+              <a:t>Error Handling</a:t>
+            </a:r>
+          </a:p>
+          <a:p>
+            <a:r>
+              <a:rPr lang="en-US" dirty="0" smtClean="0"/>
+              <a:t>Unit Tests</a:t>
+            </a:r>
+            <a:endParaRPr lang="en-US" dirty="0"/>
+          </a:p>
+        </p:txBody>
+      </p:sp>
+    </p:spTree>
+    <p:extLst>
+      <p:ext uri="{BB962C8B-B14F-4D97-AF65-F5344CB8AC3E}">
+        <p14:creationId xmlns:p14="http://schemas.microsoft.com/office/powerpoint/2010/main" val="1630598017"/>
+      </p:ext>
+    </p:extLst>
+  </p:cSld>
+  <p:clrMapOvr>
+    <a:masterClrMapping/>
+  </p:clrMapOvr>
+</p:sld>
+</file>
+
+<file path=ppt/slides/slide9.xml><?xml version="1.0" encoding="utf-8"?>
+<p:sld xmlns:a="http://schemas.openxmlformats.org/drawingml/2006/main" xmlns:r="http://schemas.openxmlformats.org/officeDocument/2006/relationships" xmlns:p="http://schemas.openxmlformats.org/presentationml/2006/main">
+  <p:cSld>
+    <p:spTree>
+      <p:nvGrpSpPr>
+        <p:cNvPr id="1" name=""/>
+        <p:cNvGrpSpPr/>
+        <p:nvPr/>
+      </p:nvGrpSpPr>
+      <p:grpSpPr>
+        <a:xfrm>
+          <a:off x="0" y="0"/>
+          <a:ext cx="0" cy="0"/>
+          <a:chOff x="0" y="0"/>
+          <a:chExt cx="0" cy="0"/>
+        </a:xfrm>
+      </p:grpSpPr>
+      <p:sp>
+        <p:nvSpPr>
+          <p:cNvPr id="2" name="Title 1"/>
+          <p:cNvSpPr>
+            <a:spLocks noGrp="1"/>
+          </p:cNvSpPr>
+          <p:nvPr>
+            <p:ph type="title"/>
+          </p:nvPr>
+        </p:nvSpPr>
+        <p:spPr/>
+        <p:txBody>
+          <a:bodyPr/>
+          <a:lstStyle/>
+          <a:p>
+            <a:r>
+              <a:rPr lang="en-US" dirty="0" smtClean="0"/>
+              <a:t>Name</a:t>
+            </a:r>
+            <a:endParaRPr lang="en-US" dirty="0"/>
+          </a:p>
+        </p:txBody>
+      </p:sp>
+      <p:sp>
+        <p:nvSpPr>
+          <p:cNvPr id="3" name="Content Placeholder 2"/>
+          <p:cNvSpPr>
+            <a:spLocks noGrp="1"/>
+          </p:cNvSpPr>
+          <p:nvPr>
+            <p:ph idx="1"/>
+          </p:nvPr>
+        </p:nvSpPr>
+        <p:spPr/>
+        <p:txBody>
+          <a:bodyPr/>
+          <a:lstStyle/>
+          <a:p>
+            <a:r>
+              <a:rPr lang="en-US" dirty="0" smtClean="0"/>
+              <a:t>Use Intention-Revealing Names</a:t>
+            </a:r>
+          </a:p>
+          <a:p>
+            <a:r>
+              <a:rPr lang="en-US" dirty="0" smtClean="0"/>
+              <a:t>Avoid Disinformation</a:t>
+            </a:r>
+          </a:p>
+          <a:p>
+            <a:r>
+              <a:rPr lang="en-US" dirty="0" smtClean="0"/>
+              <a:t>Make Meaningful Distinctions</a:t>
+            </a:r>
+          </a:p>
+        </p:txBody>
+      </p:sp>
+    </p:spTree>
+    <p:extLst>
+      <p:ext uri="{BB962C8B-B14F-4D97-AF65-F5344CB8AC3E}">
+        <p14:creationId xmlns:p14="http://schemas.microsoft.com/office/powerpoint/2010/main" val="2117934948"/>
       </p:ext>
     </p:extLst>
   </p:cSld>

--- a/Clean Code.pptx
+++ b/Clean Code.pptx
@@ -20,6 +20,19 @@
     <p:sldId id="268" r:id="rId14"/>
     <p:sldId id="269" r:id="rId15"/>
     <p:sldId id="270" r:id="rId16"/>
+    <p:sldId id="271" r:id="rId17"/>
+    <p:sldId id="279" r:id="rId18"/>
+    <p:sldId id="272" r:id="rId19"/>
+    <p:sldId id="280" r:id="rId20"/>
+    <p:sldId id="281" r:id="rId21"/>
+    <p:sldId id="273" r:id="rId22"/>
+    <p:sldId id="274" r:id="rId23"/>
+    <p:sldId id="276" r:id="rId24"/>
+    <p:sldId id="277" r:id="rId25"/>
+    <p:sldId id="282" r:id="rId26"/>
+    <p:sldId id="283" r:id="rId27"/>
+    <p:sldId id="284" r:id="rId28"/>
+    <p:sldId id="278" r:id="rId29"/>
   </p:sldIdLst>
   <p:sldSz cx="12192000" cy="6858000"/>
   <p:notesSz cx="6858000" cy="9144000"/>
@@ -6388,15 +6401,6 @@
               <a:t>Command Query Separation</a:t>
             </a:r>
           </a:p>
-          <a:p>
-            <a:r>
-              <a:rPr lang="en-US" dirty="0" smtClean="0"/>
-              <a:t>Prefer Exceptions to Returning Error Codes</a:t>
-            </a:r>
-          </a:p>
-          <a:p>
-            <a:endParaRPr lang="en-US" dirty="0"/>
-          </a:p>
         </p:txBody>
       </p:sp>
     </p:spTree>
@@ -6567,19 +6571,397 @@
             <p:ph idx="1"/>
           </p:nvPr>
         </p:nvSpPr>
-        <p:spPr/>
-        <p:txBody>
-          <a:bodyPr/>
-          <a:lstStyle/>
-          <a:p>
-            <a:endParaRPr lang="en-US"/>
-          </a:p>
-        </p:txBody>
-      </p:sp>
+        <p:spPr>
+          <a:xfrm>
+            <a:off x="788289" y="5035296"/>
+            <a:ext cx="9452991" cy="1103375"/>
+          </a:xfrm>
+        </p:spPr>
+        <p:txBody>
+          <a:bodyPr/>
+          <a:lstStyle/>
+          <a:p>
+            <a:pPr marL="0" indent="0">
+              <a:buNone/>
+            </a:pPr>
+            <a:r>
+              <a:rPr lang="en-US" dirty="0" smtClean="0"/>
+              <a:t>What need to be changed if user want to write out Age?</a:t>
+            </a:r>
+          </a:p>
+          <a:p>
+            <a:pPr marL="0" indent="0">
+              <a:buNone/>
+            </a:pPr>
+            <a:r>
+              <a:rPr lang="en-US" dirty="0" smtClean="0"/>
+              <a:t>……..</a:t>
+            </a:r>
+            <a:endParaRPr lang="en-US" dirty="0"/>
+          </a:p>
+        </p:txBody>
+      </p:sp>
+      <p:pic>
+        <p:nvPicPr>
+          <p:cNvPr id="4" name="Picture 3"/>
+          <p:cNvPicPr>
+            <a:picLocks noChangeAspect="1"/>
+          </p:cNvPicPr>
+          <p:nvPr/>
+        </p:nvPicPr>
+        <p:blipFill>
+          <a:blip r:embed="rId2"/>
+          <a:stretch>
+            <a:fillRect/>
+          </a:stretch>
+        </p:blipFill>
+        <p:spPr>
+          <a:xfrm>
+            <a:off x="788289" y="1693354"/>
+            <a:ext cx="5307711" cy="3104704"/>
+          </a:xfrm>
+          <a:prstGeom prst="rect">
+            <a:avLst/>
+          </a:prstGeom>
+        </p:spPr>
+      </p:pic>
     </p:spTree>
     <p:extLst>
       <p:ext uri="{BB962C8B-B14F-4D97-AF65-F5344CB8AC3E}">
         <p14:creationId xmlns:p14="http://schemas.microsoft.com/office/powerpoint/2010/main" val="1318551769"/>
+      </p:ext>
+    </p:extLst>
+  </p:cSld>
+  <p:clrMapOvr>
+    <a:masterClrMapping/>
+  </p:clrMapOvr>
+</p:sld>
+</file>
+
+<file path=ppt/slides/slide16.xml><?xml version="1.0" encoding="utf-8"?>
+<p:sld xmlns:a="http://schemas.openxmlformats.org/drawingml/2006/main" xmlns:r="http://schemas.openxmlformats.org/officeDocument/2006/relationships" xmlns:p="http://schemas.openxmlformats.org/presentationml/2006/main">
+  <p:cSld>
+    <p:spTree>
+      <p:nvGrpSpPr>
+        <p:cNvPr id="1" name=""/>
+        <p:cNvGrpSpPr/>
+        <p:nvPr/>
+      </p:nvGrpSpPr>
+      <p:grpSpPr>
+        <a:xfrm>
+          <a:off x="0" y="0"/>
+          <a:ext cx="0" cy="0"/>
+          <a:chOff x="0" y="0"/>
+          <a:chExt cx="0" cy="0"/>
+        </a:xfrm>
+      </p:grpSpPr>
+      <p:sp>
+        <p:nvSpPr>
+          <p:cNvPr id="2" name="Title 1"/>
+          <p:cNvSpPr>
+            <a:spLocks noGrp="1"/>
+          </p:cNvSpPr>
+          <p:nvPr>
+            <p:ph type="title"/>
+          </p:nvPr>
+        </p:nvSpPr>
+        <p:spPr/>
+        <p:txBody>
+          <a:bodyPr/>
+          <a:lstStyle/>
+          <a:p>
+            <a:r>
+              <a:rPr lang="en-US" dirty="0"/>
+              <a:t>One level of Abstraction per Function</a:t>
+            </a:r>
+            <a:br>
+              <a:rPr lang="en-US" dirty="0"/>
+            </a:br>
+            <a:endParaRPr lang="en-US" dirty="0"/>
+          </a:p>
+        </p:txBody>
+      </p:sp>
+      <p:pic>
+        <p:nvPicPr>
+          <p:cNvPr id="4" name="Content Placeholder 3"/>
+          <p:cNvPicPr>
+            <a:picLocks noGrp="1" noChangeAspect="1"/>
+          </p:cNvPicPr>
+          <p:nvPr>
+            <p:ph idx="1"/>
+          </p:nvPr>
+        </p:nvPicPr>
+        <p:blipFill>
+          <a:blip r:embed="rId2"/>
+          <a:stretch>
+            <a:fillRect/>
+          </a:stretch>
+        </p:blipFill>
+        <p:spPr>
+          <a:xfrm>
+            <a:off x="738112" y="1853247"/>
+            <a:ext cx="9466592" cy="4849689"/>
+          </a:xfrm>
+          <a:prstGeom prst="rect">
+            <a:avLst/>
+          </a:prstGeom>
+        </p:spPr>
+      </p:pic>
+    </p:spTree>
+    <p:extLst>
+      <p:ext uri="{BB962C8B-B14F-4D97-AF65-F5344CB8AC3E}">
+        <p14:creationId xmlns:p14="http://schemas.microsoft.com/office/powerpoint/2010/main" val="573852578"/>
+      </p:ext>
+    </p:extLst>
+  </p:cSld>
+  <p:clrMapOvr>
+    <a:masterClrMapping/>
+  </p:clrMapOvr>
+</p:sld>
+</file>
+
+<file path=ppt/slides/slide17.xml><?xml version="1.0" encoding="utf-8"?>
+<p:sld xmlns:a="http://schemas.openxmlformats.org/drawingml/2006/main" xmlns:r="http://schemas.openxmlformats.org/officeDocument/2006/relationships" xmlns:p="http://schemas.openxmlformats.org/presentationml/2006/main">
+  <p:cSld>
+    <p:spTree>
+      <p:nvGrpSpPr>
+        <p:cNvPr id="1" name=""/>
+        <p:cNvGrpSpPr/>
+        <p:nvPr/>
+      </p:nvGrpSpPr>
+      <p:grpSpPr>
+        <a:xfrm>
+          <a:off x="0" y="0"/>
+          <a:ext cx="0" cy="0"/>
+          <a:chOff x="0" y="0"/>
+          <a:chExt cx="0" cy="0"/>
+        </a:xfrm>
+      </p:grpSpPr>
+      <p:sp>
+        <p:nvSpPr>
+          <p:cNvPr id="2" name="Title 1"/>
+          <p:cNvSpPr>
+            <a:spLocks noGrp="1"/>
+          </p:cNvSpPr>
+          <p:nvPr>
+            <p:ph type="title"/>
+          </p:nvPr>
+        </p:nvSpPr>
+        <p:spPr/>
+        <p:txBody>
+          <a:bodyPr/>
+          <a:lstStyle/>
+          <a:p>
+            <a:r>
+              <a:rPr lang="en-US" dirty="0"/>
+              <a:t>One level of Abstraction per Function</a:t>
+            </a:r>
+          </a:p>
+        </p:txBody>
+      </p:sp>
+      <p:sp>
+        <p:nvSpPr>
+          <p:cNvPr id="5" name="Content Placeholder 4"/>
+          <p:cNvSpPr>
+            <a:spLocks noGrp="1"/>
+          </p:cNvSpPr>
+          <p:nvPr>
+            <p:ph idx="1"/>
+          </p:nvPr>
+        </p:nvSpPr>
+        <p:spPr/>
+        <p:txBody>
+          <a:bodyPr/>
+          <a:lstStyle/>
+          <a:p>
+            <a:endParaRPr lang="en-US"/>
+          </a:p>
+        </p:txBody>
+      </p:sp>
+      <p:pic>
+        <p:nvPicPr>
+          <p:cNvPr id="7" name="Picture 6"/>
+          <p:cNvPicPr>
+            <a:picLocks noChangeAspect="1"/>
+          </p:cNvPicPr>
+          <p:nvPr/>
+        </p:nvPicPr>
+        <p:blipFill>
+          <a:blip r:embed="rId2"/>
+          <a:stretch>
+            <a:fillRect/>
+          </a:stretch>
+        </p:blipFill>
+        <p:spPr>
+          <a:xfrm>
+            <a:off x="741616" y="2052918"/>
+            <a:ext cx="9515259" cy="3555402"/>
+          </a:xfrm>
+          <a:prstGeom prst="rect">
+            <a:avLst/>
+          </a:prstGeom>
+        </p:spPr>
+      </p:pic>
+    </p:spTree>
+    <p:extLst>
+      <p:ext uri="{BB962C8B-B14F-4D97-AF65-F5344CB8AC3E}">
+        <p14:creationId xmlns:p14="http://schemas.microsoft.com/office/powerpoint/2010/main" val="415567801"/>
+      </p:ext>
+    </p:extLst>
+  </p:cSld>
+  <p:clrMapOvr>
+    <a:masterClrMapping/>
+  </p:clrMapOvr>
+</p:sld>
+</file>
+
+<file path=ppt/slides/slide18.xml><?xml version="1.0" encoding="utf-8"?>
+<p:sld xmlns:a="http://schemas.openxmlformats.org/drawingml/2006/main" xmlns:r="http://schemas.openxmlformats.org/officeDocument/2006/relationships" xmlns:p="http://schemas.openxmlformats.org/presentationml/2006/main">
+  <p:cSld>
+    <p:spTree>
+      <p:nvGrpSpPr>
+        <p:cNvPr id="1" name=""/>
+        <p:cNvGrpSpPr/>
+        <p:nvPr/>
+      </p:nvGrpSpPr>
+      <p:grpSpPr>
+        <a:xfrm>
+          <a:off x="0" y="0"/>
+          <a:ext cx="0" cy="0"/>
+          <a:chOff x="0" y="0"/>
+          <a:chExt cx="0" cy="0"/>
+        </a:xfrm>
+      </p:grpSpPr>
+      <p:sp>
+        <p:nvSpPr>
+          <p:cNvPr id="2" name="Title 1"/>
+          <p:cNvSpPr>
+            <a:spLocks noGrp="1"/>
+          </p:cNvSpPr>
+          <p:nvPr>
+            <p:ph type="title"/>
+          </p:nvPr>
+        </p:nvSpPr>
+        <p:spPr/>
+        <p:txBody>
+          <a:bodyPr/>
+          <a:lstStyle/>
+          <a:p>
+            <a:r>
+              <a:rPr lang="en-US" dirty="0"/>
+              <a:t>Switch Statements</a:t>
+            </a:r>
+            <a:br>
+              <a:rPr lang="en-US" dirty="0"/>
+            </a:br>
+            <a:endParaRPr lang="en-US" dirty="0"/>
+          </a:p>
+        </p:txBody>
+      </p:sp>
+      <p:pic>
+        <p:nvPicPr>
+          <p:cNvPr id="5" name="Picture 4"/>
+          <p:cNvPicPr>
+            <a:picLocks noChangeAspect="1"/>
+          </p:cNvPicPr>
+          <p:nvPr/>
+        </p:nvPicPr>
+        <p:blipFill>
+          <a:blip r:embed="rId2"/>
+          <a:stretch>
+            <a:fillRect/>
+          </a:stretch>
+        </p:blipFill>
+        <p:spPr>
+          <a:xfrm>
+            <a:off x="646111" y="1534286"/>
+            <a:ext cx="10383748" cy="3305937"/>
+          </a:xfrm>
+          <a:prstGeom prst="rect">
+            <a:avLst/>
+          </a:prstGeom>
+        </p:spPr>
+      </p:pic>
+    </p:spTree>
+    <p:extLst>
+      <p:ext uri="{BB962C8B-B14F-4D97-AF65-F5344CB8AC3E}">
+        <p14:creationId xmlns:p14="http://schemas.microsoft.com/office/powerpoint/2010/main" val="2005070690"/>
+      </p:ext>
+    </p:extLst>
+  </p:cSld>
+  <p:clrMapOvr>
+    <a:masterClrMapping/>
+  </p:clrMapOvr>
+</p:sld>
+</file>
+
+<file path=ppt/slides/slide19.xml><?xml version="1.0" encoding="utf-8"?>
+<p:sld xmlns:a="http://schemas.openxmlformats.org/drawingml/2006/main" xmlns:r="http://schemas.openxmlformats.org/officeDocument/2006/relationships" xmlns:p="http://schemas.openxmlformats.org/presentationml/2006/main">
+  <p:cSld>
+    <p:spTree>
+      <p:nvGrpSpPr>
+        <p:cNvPr id="1" name=""/>
+        <p:cNvGrpSpPr/>
+        <p:nvPr/>
+      </p:nvGrpSpPr>
+      <p:grpSpPr>
+        <a:xfrm>
+          <a:off x="0" y="0"/>
+          <a:ext cx="0" cy="0"/>
+          <a:chOff x="0" y="0"/>
+          <a:chExt cx="0" cy="0"/>
+        </a:xfrm>
+      </p:grpSpPr>
+      <p:sp>
+        <p:nvSpPr>
+          <p:cNvPr id="2" name="Title 1"/>
+          <p:cNvSpPr>
+            <a:spLocks noGrp="1"/>
+          </p:cNvSpPr>
+          <p:nvPr>
+            <p:ph type="title"/>
+          </p:nvPr>
+        </p:nvSpPr>
+        <p:spPr/>
+        <p:txBody>
+          <a:bodyPr/>
+          <a:lstStyle/>
+          <a:p>
+            <a:r>
+              <a:rPr lang="en-US" dirty="0"/>
+              <a:t>Switch Statements</a:t>
+            </a:r>
+          </a:p>
+        </p:txBody>
+      </p:sp>
+      <p:pic>
+        <p:nvPicPr>
+          <p:cNvPr id="4" name="Content Placeholder 3"/>
+          <p:cNvPicPr>
+            <a:picLocks noChangeAspect="1"/>
+          </p:cNvPicPr>
+          <p:nvPr/>
+        </p:nvPicPr>
+        <p:blipFill>
+          <a:blip r:embed="rId2"/>
+          <a:stretch>
+            <a:fillRect/>
+          </a:stretch>
+        </p:blipFill>
+        <p:spPr>
+          <a:xfrm>
+            <a:off x="646111" y="2052918"/>
+            <a:ext cx="8947150" cy="3409794"/>
+          </a:xfrm>
+          <a:prstGeom prst="rect">
+            <a:avLst/>
+          </a:prstGeom>
+        </p:spPr>
+      </p:pic>
+    </p:spTree>
+    <p:extLst>
+      <p:ext uri="{BB962C8B-B14F-4D97-AF65-F5344CB8AC3E}">
+        <p14:creationId xmlns:p14="http://schemas.microsoft.com/office/powerpoint/2010/main" val="1140202254"/>
       </p:ext>
     </p:extLst>
   </p:cSld>
@@ -6652,6 +7034,17 @@
           <a:p>
             <a:r>
               <a:rPr lang="en-US" dirty="0" smtClean="0"/>
+              <a:t>Why is </a:t>
+            </a:r>
+            <a:r>
+              <a:rPr lang="en-US" smtClean="0"/>
+              <a:t>it important?</a:t>
+            </a:r>
+            <a:endParaRPr lang="en-US" dirty="0" smtClean="0"/>
+          </a:p>
+          <a:p>
+            <a:r>
+              <a:rPr lang="en-US" dirty="0" smtClean="0"/>
               <a:t>Clean Code</a:t>
             </a:r>
             <a:endParaRPr lang="en-US" dirty="0"/>
@@ -6662,6 +7055,927 @@
     <p:extLst>
       <p:ext uri="{BB962C8B-B14F-4D97-AF65-F5344CB8AC3E}">
         <p14:creationId xmlns:p14="http://schemas.microsoft.com/office/powerpoint/2010/main" val="1438932002"/>
+      </p:ext>
+    </p:extLst>
+  </p:cSld>
+  <p:clrMapOvr>
+    <a:masterClrMapping/>
+  </p:clrMapOvr>
+</p:sld>
+</file>
+
+<file path=ppt/slides/slide20.xml><?xml version="1.0" encoding="utf-8"?>
+<p:sld xmlns:a="http://schemas.openxmlformats.org/drawingml/2006/main" xmlns:r="http://schemas.openxmlformats.org/officeDocument/2006/relationships" xmlns:p="http://schemas.openxmlformats.org/presentationml/2006/main">
+  <p:cSld>
+    <p:spTree>
+      <p:nvGrpSpPr>
+        <p:cNvPr id="1" name=""/>
+        <p:cNvGrpSpPr/>
+        <p:nvPr/>
+      </p:nvGrpSpPr>
+      <p:grpSpPr>
+        <a:xfrm>
+          <a:off x="0" y="0"/>
+          <a:ext cx="0" cy="0"/>
+          <a:chOff x="0" y="0"/>
+          <a:chExt cx="0" cy="0"/>
+        </a:xfrm>
+      </p:grpSpPr>
+      <p:sp>
+        <p:nvSpPr>
+          <p:cNvPr id="2" name="Title 1"/>
+          <p:cNvSpPr>
+            <a:spLocks noGrp="1"/>
+          </p:cNvSpPr>
+          <p:nvPr>
+            <p:ph type="title"/>
+          </p:nvPr>
+        </p:nvSpPr>
+        <p:spPr/>
+        <p:txBody>
+          <a:bodyPr/>
+          <a:lstStyle/>
+          <a:p>
+            <a:r>
+              <a:rPr lang="en-US" dirty="0"/>
+              <a:t>Switch Statements</a:t>
+            </a:r>
+          </a:p>
+        </p:txBody>
+      </p:sp>
+      <p:pic>
+        <p:nvPicPr>
+          <p:cNvPr id="4" name="Content Placeholder 3"/>
+          <p:cNvPicPr>
+            <a:picLocks noGrp="1" noChangeAspect="1"/>
+          </p:cNvPicPr>
+          <p:nvPr>
+            <p:ph idx="1"/>
+          </p:nvPr>
+        </p:nvPicPr>
+        <p:blipFill>
+          <a:blip r:embed="rId2"/>
+          <a:stretch>
+            <a:fillRect/>
+          </a:stretch>
+        </p:blipFill>
+        <p:spPr>
+          <a:xfrm>
+            <a:off x="646111" y="1677096"/>
+            <a:ext cx="10192578" cy="3079843"/>
+          </a:xfrm>
+          <a:prstGeom prst="rect">
+            <a:avLst/>
+          </a:prstGeom>
+        </p:spPr>
+      </p:pic>
+    </p:spTree>
+    <p:extLst>
+      <p:ext uri="{BB962C8B-B14F-4D97-AF65-F5344CB8AC3E}">
+        <p14:creationId xmlns:p14="http://schemas.microsoft.com/office/powerpoint/2010/main" val="121152278"/>
+      </p:ext>
+    </p:extLst>
+  </p:cSld>
+  <p:clrMapOvr>
+    <a:masterClrMapping/>
+  </p:clrMapOvr>
+</p:sld>
+</file>
+
+<file path=ppt/slides/slide21.xml><?xml version="1.0" encoding="utf-8"?>
+<p:sld xmlns:a="http://schemas.openxmlformats.org/drawingml/2006/main" xmlns:r="http://schemas.openxmlformats.org/officeDocument/2006/relationships" xmlns:p="http://schemas.openxmlformats.org/presentationml/2006/main">
+  <p:cSld>
+    <p:spTree>
+      <p:nvGrpSpPr>
+        <p:cNvPr id="1" name=""/>
+        <p:cNvGrpSpPr/>
+        <p:nvPr/>
+      </p:nvGrpSpPr>
+      <p:grpSpPr>
+        <a:xfrm>
+          <a:off x="0" y="0"/>
+          <a:ext cx="0" cy="0"/>
+          <a:chOff x="0" y="0"/>
+          <a:chExt cx="0" cy="0"/>
+        </a:xfrm>
+      </p:grpSpPr>
+      <p:sp>
+        <p:nvSpPr>
+          <p:cNvPr id="2" name="Title 1"/>
+          <p:cNvSpPr>
+            <a:spLocks noGrp="1"/>
+          </p:cNvSpPr>
+          <p:nvPr>
+            <p:ph type="title"/>
+          </p:nvPr>
+        </p:nvSpPr>
+        <p:spPr/>
+        <p:txBody>
+          <a:bodyPr/>
+          <a:lstStyle/>
+          <a:p>
+            <a:r>
+              <a:rPr lang="en-US" dirty="0"/>
+              <a:t>Function Arguments</a:t>
+            </a:r>
+            <a:br>
+              <a:rPr lang="en-US" dirty="0"/>
+            </a:br>
+            <a:endParaRPr lang="en-US" dirty="0"/>
+          </a:p>
+        </p:txBody>
+      </p:sp>
+      <p:sp>
+        <p:nvSpPr>
+          <p:cNvPr id="3" name="Content Placeholder 2"/>
+          <p:cNvSpPr>
+            <a:spLocks noGrp="1"/>
+          </p:cNvSpPr>
+          <p:nvPr>
+            <p:ph idx="1"/>
+          </p:nvPr>
+        </p:nvSpPr>
+        <p:spPr/>
+        <p:txBody>
+          <a:bodyPr/>
+          <a:lstStyle/>
+          <a:p>
+            <a:r>
+              <a:rPr lang="en-US" dirty="0" smtClean="0"/>
+              <a:t>The ideal number of arguments for a function is zero. Next comes one, followed closely by two. Three arguments should be avoided where possible. More than three requires very special justification-and then shouldn’t be used anyway.</a:t>
+            </a:r>
+            <a:endParaRPr lang="en-US" dirty="0"/>
+          </a:p>
+        </p:txBody>
+      </p:sp>
+    </p:spTree>
+    <p:extLst>
+      <p:ext uri="{BB962C8B-B14F-4D97-AF65-F5344CB8AC3E}">
+        <p14:creationId xmlns:p14="http://schemas.microsoft.com/office/powerpoint/2010/main" val="886091853"/>
+      </p:ext>
+    </p:extLst>
+  </p:cSld>
+  <p:clrMapOvr>
+    <a:masterClrMapping/>
+  </p:clrMapOvr>
+</p:sld>
+</file>
+
+<file path=ppt/slides/slide22.xml><?xml version="1.0" encoding="utf-8"?>
+<p:sld xmlns:a="http://schemas.openxmlformats.org/drawingml/2006/main" xmlns:r="http://schemas.openxmlformats.org/officeDocument/2006/relationships" xmlns:p="http://schemas.openxmlformats.org/presentationml/2006/main">
+  <p:cSld>
+    <p:spTree>
+      <p:nvGrpSpPr>
+        <p:cNvPr id="1" name=""/>
+        <p:cNvGrpSpPr/>
+        <p:nvPr/>
+      </p:nvGrpSpPr>
+      <p:grpSpPr>
+        <a:xfrm>
+          <a:off x="0" y="0"/>
+          <a:ext cx="0" cy="0"/>
+          <a:chOff x="0" y="0"/>
+          <a:chExt cx="0" cy="0"/>
+        </a:xfrm>
+      </p:grpSpPr>
+      <p:sp>
+        <p:nvSpPr>
+          <p:cNvPr id="2" name="Title 1"/>
+          <p:cNvSpPr>
+            <a:spLocks noGrp="1"/>
+          </p:cNvSpPr>
+          <p:nvPr>
+            <p:ph type="title"/>
+          </p:nvPr>
+        </p:nvSpPr>
+        <p:spPr/>
+        <p:txBody>
+          <a:bodyPr/>
+          <a:lstStyle/>
+          <a:p>
+            <a:r>
+              <a:rPr lang="en-US" dirty="0"/>
+              <a:t>Command Query Separation</a:t>
+            </a:r>
+            <a:br>
+              <a:rPr lang="en-US" dirty="0"/>
+            </a:br>
+            <a:endParaRPr lang="en-US" dirty="0"/>
+          </a:p>
+        </p:txBody>
+      </p:sp>
+      <p:sp>
+        <p:nvSpPr>
+          <p:cNvPr id="3" name="Content Placeholder 2"/>
+          <p:cNvSpPr>
+            <a:spLocks noGrp="1"/>
+          </p:cNvSpPr>
+          <p:nvPr>
+            <p:ph idx="1"/>
+          </p:nvPr>
+        </p:nvSpPr>
+        <p:spPr/>
+        <p:txBody>
+          <a:bodyPr/>
+          <a:lstStyle/>
+          <a:p>
+            <a:r>
+              <a:rPr lang="en-US" dirty="0" smtClean="0"/>
+              <a:t>Function should either do something or answer something, but not both.</a:t>
+            </a:r>
+          </a:p>
+          <a:p>
+            <a:endParaRPr lang="en-US" dirty="0"/>
+          </a:p>
+        </p:txBody>
+      </p:sp>
+      <p:pic>
+        <p:nvPicPr>
+          <p:cNvPr id="4" name="Picture 3"/>
+          <p:cNvPicPr>
+            <a:picLocks noChangeAspect="1"/>
+          </p:cNvPicPr>
+          <p:nvPr/>
+        </p:nvPicPr>
+        <p:blipFill>
+          <a:blip r:embed="rId2"/>
+          <a:stretch>
+            <a:fillRect/>
+          </a:stretch>
+        </p:blipFill>
+        <p:spPr>
+          <a:xfrm>
+            <a:off x="646111" y="2749296"/>
+            <a:ext cx="6339649" cy="3889248"/>
+          </a:xfrm>
+          <a:prstGeom prst="rect">
+            <a:avLst/>
+          </a:prstGeom>
+        </p:spPr>
+      </p:pic>
+      <p:pic>
+        <p:nvPicPr>
+          <p:cNvPr id="5" name="Picture 4"/>
+          <p:cNvPicPr>
+            <a:picLocks noChangeAspect="1"/>
+          </p:cNvPicPr>
+          <p:nvPr/>
+        </p:nvPicPr>
+        <p:blipFill>
+          <a:blip r:embed="rId3"/>
+          <a:stretch>
+            <a:fillRect/>
+          </a:stretch>
+        </p:blipFill>
+        <p:spPr>
+          <a:xfrm>
+            <a:off x="7241058" y="2749296"/>
+            <a:ext cx="4621633" cy="1992885"/>
+          </a:xfrm>
+          <a:prstGeom prst="rect">
+            <a:avLst/>
+          </a:prstGeom>
+        </p:spPr>
+      </p:pic>
+    </p:spTree>
+    <p:extLst>
+      <p:ext uri="{BB962C8B-B14F-4D97-AF65-F5344CB8AC3E}">
+        <p14:creationId xmlns:p14="http://schemas.microsoft.com/office/powerpoint/2010/main" val="935113186"/>
+      </p:ext>
+    </p:extLst>
+  </p:cSld>
+  <p:clrMapOvr>
+    <a:masterClrMapping/>
+  </p:clrMapOvr>
+</p:sld>
+</file>
+
+<file path=ppt/slides/slide23.xml><?xml version="1.0" encoding="utf-8"?>
+<p:sld xmlns:a="http://schemas.openxmlformats.org/drawingml/2006/main" xmlns:r="http://schemas.openxmlformats.org/officeDocument/2006/relationships" xmlns:p="http://schemas.openxmlformats.org/presentationml/2006/main">
+  <p:cSld>
+    <p:spTree>
+      <p:nvGrpSpPr>
+        <p:cNvPr id="1" name=""/>
+        <p:cNvGrpSpPr/>
+        <p:nvPr/>
+      </p:nvGrpSpPr>
+      <p:grpSpPr>
+        <a:xfrm>
+          <a:off x="0" y="0"/>
+          <a:ext cx="0" cy="0"/>
+          <a:chOff x="0" y="0"/>
+          <a:chExt cx="0" cy="0"/>
+        </a:xfrm>
+      </p:grpSpPr>
+      <p:sp>
+        <p:nvSpPr>
+          <p:cNvPr id="2" name="Title 1"/>
+          <p:cNvSpPr>
+            <a:spLocks noGrp="1"/>
+          </p:cNvSpPr>
+          <p:nvPr>
+            <p:ph type="title"/>
+          </p:nvPr>
+        </p:nvSpPr>
+        <p:spPr/>
+        <p:txBody>
+          <a:bodyPr/>
+          <a:lstStyle/>
+          <a:p>
+            <a:r>
+              <a:rPr lang="en-US" dirty="0"/>
+              <a:t>Comments</a:t>
+            </a:r>
+          </a:p>
+        </p:txBody>
+      </p:sp>
+      <p:sp>
+        <p:nvSpPr>
+          <p:cNvPr id="3" name="Content Placeholder 2"/>
+          <p:cNvSpPr>
+            <a:spLocks noGrp="1"/>
+          </p:cNvSpPr>
+          <p:nvPr>
+            <p:ph idx="1"/>
+          </p:nvPr>
+        </p:nvSpPr>
+        <p:spPr/>
+        <p:txBody>
+          <a:bodyPr/>
+          <a:lstStyle/>
+          <a:p>
+            <a:r>
+              <a:rPr lang="en-US" dirty="0" smtClean="0"/>
+              <a:t>Comments do not make up for bad code</a:t>
+            </a:r>
+          </a:p>
+          <a:p>
+            <a:pPr lvl="1"/>
+            <a:r>
+              <a:rPr lang="en-US" dirty="0" smtClean="0"/>
+              <a:t>Bad comments:</a:t>
+            </a:r>
+          </a:p>
+          <a:p>
+            <a:pPr lvl="2"/>
+            <a:r>
+              <a:rPr lang="en-US" dirty="0" smtClean="0"/>
+              <a:t>Mumbling</a:t>
+            </a:r>
+          </a:p>
+          <a:p>
+            <a:pPr lvl="2"/>
+            <a:r>
+              <a:rPr lang="en-US" dirty="0" smtClean="0"/>
+              <a:t>Redundant Comment</a:t>
+            </a:r>
+          </a:p>
+          <a:p>
+            <a:pPr lvl="2"/>
+            <a:r>
+              <a:rPr lang="en-US" dirty="0" smtClean="0"/>
+              <a:t>Misleading Comment</a:t>
+            </a:r>
+          </a:p>
+          <a:p>
+            <a:pPr lvl="1"/>
+            <a:r>
+              <a:rPr lang="en-US" dirty="0" smtClean="0"/>
+              <a:t>Good comments:</a:t>
+            </a:r>
+          </a:p>
+          <a:p>
+            <a:pPr lvl="2"/>
+            <a:r>
+              <a:rPr lang="en-US" dirty="0" smtClean="0"/>
+              <a:t>Legal Comments</a:t>
+            </a:r>
+          </a:p>
+          <a:p>
+            <a:pPr lvl="2"/>
+            <a:r>
+              <a:rPr lang="en-US" dirty="0" smtClean="0"/>
+              <a:t>TODO Comments</a:t>
+            </a:r>
+          </a:p>
+          <a:p>
+            <a:pPr lvl="2"/>
+            <a:r>
+              <a:rPr lang="en-US" dirty="0" smtClean="0"/>
+              <a:t>Warning of Consequences</a:t>
+            </a:r>
+          </a:p>
+          <a:p>
+            <a:pPr lvl="2"/>
+            <a:endParaRPr lang="en-US" dirty="0"/>
+          </a:p>
+        </p:txBody>
+      </p:sp>
+    </p:spTree>
+    <p:extLst>
+      <p:ext uri="{BB962C8B-B14F-4D97-AF65-F5344CB8AC3E}">
+        <p14:creationId xmlns:p14="http://schemas.microsoft.com/office/powerpoint/2010/main" val="3683616708"/>
+      </p:ext>
+    </p:extLst>
+  </p:cSld>
+  <p:clrMapOvr>
+    <a:masterClrMapping/>
+  </p:clrMapOvr>
+</p:sld>
+</file>
+
+<file path=ppt/slides/slide24.xml><?xml version="1.0" encoding="utf-8"?>
+<p:sld xmlns:a="http://schemas.openxmlformats.org/drawingml/2006/main" xmlns:r="http://schemas.openxmlformats.org/officeDocument/2006/relationships" xmlns:p="http://schemas.openxmlformats.org/presentationml/2006/main">
+  <p:cSld>
+    <p:spTree>
+      <p:nvGrpSpPr>
+        <p:cNvPr id="1" name=""/>
+        <p:cNvGrpSpPr/>
+        <p:nvPr/>
+      </p:nvGrpSpPr>
+      <p:grpSpPr>
+        <a:xfrm>
+          <a:off x="0" y="0"/>
+          <a:ext cx="0" cy="0"/>
+          <a:chOff x="0" y="0"/>
+          <a:chExt cx="0" cy="0"/>
+        </a:xfrm>
+      </p:grpSpPr>
+      <p:sp>
+        <p:nvSpPr>
+          <p:cNvPr id="2" name="Title 1"/>
+          <p:cNvSpPr>
+            <a:spLocks noGrp="1"/>
+          </p:cNvSpPr>
+          <p:nvPr>
+            <p:ph type="title"/>
+          </p:nvPr>
+        </p:nvSpPr>
+        <p:spPr/>
+        <p:txBody>
+          <a:bodyPr/>
+          <a:lstStyle/>
+          <a:p>
+            <a:r>
+              <a:rPr lang="en-US" dirty="0"/>
+              <a:t>Error Handling</a:t>
+            </a:r>
+            <a:br>
+              <a:rPr lang="en-US" dirty="0"/>
+            </a:br>
+            <a:endParaRPr lang="en-US" dirty="0"/>
+          </a:p>
+        </p:txBody>
+      </p:sp>
+      <p:sp>
+        <p:nvSpPr>
+          <p:cNvPr id="3" name="Content Placeholder 2"/>
+          <p:cNvSpPr>
+            <a:spLocks noGrp="1"/>
+          </p:cNvSpPr>
+          <p:nvPr>
+            <p:ph idx="1"/>
+          </p:nvPr>
+        </p:nvSpPr>
+        <p:spPr/>
+        <p:txBody>
+          <a:bodyPr/>
+          <a:lstStyle/>
+          <a:p>
+            <a:r>
+              <a:rPr lang="en-US" dirty="0" smtClean="0"/>
+              <a:t>Use Exceptions Rather than Return Codes</a:t>
+            </a:r>
+          </a:p>
+          <a:p>
+            <a:r>
+              <a:rPr lang="en-US" dirty="0" smtClean="0"/>
+              <a:t>Provide Context with Exceptions</a:t>
+            </a:r>
+          </a:p>
+          <a:p>
+            <a:r>
+              <a:rPr lang="en-US" dirty="0" smtClean="0"/>
+              <a:t>Don’t return NULL</a:t>
+            </a:r>
+            <a:endParaRPr lang="en-US" dirty="0"/>
+          </a:p>
+        </p:txBody>
+      </p:sp>
+    </p:spTree>
+    <p:extLst>
+      <p:ext uri="{BB962C8B-B14F-4D97-AF65-F5344CB8AC3E}">
+        <p14:creationId xmlns:p14="http://schemas.microsoft.com/office/powerpoint/2010/main" val="939179623"/>
+      </p:ext>
+    </p:extLst>
+  </p:cSld>
+  <p:clrMapOvr>
+    <a:masterClrMapping/>
+  </p:clrMapOvr>
+</p:sld>
+</file>
+
+<file path=ppt/slides/slide25.xml><?xml version="1.0" encoding="utf-8"?>
+<p:sld xmlns:a="http://schemas.openxmlformats.org/drawingml/2006/main" xmlns:r="http://schemas.openxmlformats.org/officeDocument/2006/relationships" xmlns:p="http://schemas.openxmlformats.org/presentationml/2006/main">
+  <p:cSld>
+    <p:spTree>
+      <p:nvGrpSpPr>
+        <p:cNvPr id="1" name=""/>
+        <p:cNvGrpSpPr/>
+        <p:nvPr/>
+      </p:nvGrpSpPr>
+      <p:grpSpPr>
+        <a:xfrm>
+          <a:off x="0" y="0"/>
+          <a:ext cx="0" cy="0"/>
+          <a:chOff x="0" y="0"/>
+          <a:chExt cx="0" cy="0"/>
+        </a:xfrm>
+      </p:grpSpPr>
+      <p:sp>
+        <p:nvSpPr>
+          <p:cNvPr id="2" name="Title 1"/>
+          <p:cNvSpPr>
+            <a:spLocks noGrp="1"/>
+          </p:cNvSpPr>
+          <p:nvPr>
+            <p:ph type="title"/>
+          </p:nvPr>
+        </p:nvSpPr>
+        <p:spPr/>
+        <p:txBody>
+          <a:bodyPr/>
+          <a:lstStyle/>
+          <a:p>
+            <a:r>
+              <a:rPr lang="en-US" dirty="0"/>
+              <a:t>Use Exceptions Rather than Return Codes</a:t>
+            </a:r>
+            <a:br>
+              <a:rPr lang="en-US" dirty="0"/>
+            </a:br>
+            <a:endParaRPr lang="en-US" dirty="0"/>
+          </a:p>
+        </p:txBody>
+      </p:sp>
+      <p:pic>
+        <p:nvPicPr>
+          <p:cNvPr id="4" name="Content Placeholder 3"/>
+          <p:cNvPicPr>
+            <a:picLocks noGrp="1" noChangeAspect="1"/>
+          </p:cNvPicPr>
+          <p:nvPr>
+            <p:ph idx="1"/>
+          </p:nvPr>
+        </p:nvPicPr>
+        <p:blipFill>
+          <a:blip r:embed="rId2"/>
+          <a:stretch>
+            <a:fillRect/>
+          </a:stretch>
+        </p:blipFill>
+        <p:spPr>
+          <a:xfrm>
+            <a:off x="646111" y="1853248"/>
+            <a:ext cx="5693004" cy="4195762"/>
+          </a:xfrm>
+          <a:prstGeom prst="rect">
+            <a:avLst/>
+          </a:prstGeom>
+        </p:spPr>
+      </p:pic>
+      <p:pic>
+        <p:nvPicPr>
+          <p:cNvPr id="5" name="Picture 4"/>
+          <p:cNvPicPr>
+            <a:picLocks noChangeAspect="1"/>
+          </p:cNvPicPr>
+          <p:nvPr/>
+        </p:nvPicPr>
+        <p:blipFill>
+          <a:blip r:embed="rId3"/>
+          <a:stretch>
+            <a:fillRect/>
+          </a:stretch>
+        </p:blipFill>
+        <p:spPr>
+          <a:xfrm>
+            <a:off x="6597586" y="1853248"/>
+            <a:ext cx="4410075" cy="3295650"/>
+          </a:xfrm>
+          <a:prstGeom prst="rect">
+            <a:avLst/>
+          </a:prstGeom>
+        </p:spPr>
+      </p:pic>
+    </p:spTree>
+    <p:extLst>
+      <p:ext uri="{BB962C8B-B14F-4D97-AF65-F5344CB8AC3E}">
+        <p14:creationId xmlns:p14="http://schemas.microsoft.com/office/powerpoint/2010/main" val="3219358441"/>
+      </p:ext>
+    </p:extLst>
+  </p:cSld>
+  <p:clrMapOvr>
+    <a:masterClrMapping/>
+  </p:clrMapOvr>
+</p:sld>
+</file>
+
+<file path=ppt/slides/slide26.xml><?xml version="1.0" encoding="utf-8"?>
+<p:sld xmlns:a="http://schemas.openxmlformats.org/drawingml/2006/main" xmlns:r="http://schemas.openxmlformats.org/officeDocument/2006/relationships" xmlns:p="http://schemas.openxmlformats.org/presentationml/2006/main">
+  <p:cSld>
+    <p:spTree>
+      <p:nvGrpSpPr>
+        <p:cNvPr id="1" name=""/>
+        <p:cNvGrpSpPr/>
+        <p:nvPr/>
+      </p:nvGrpSpPr>
+      <p:grpSpPr>
+        <a:xfrm>
+          <a:off x="0" y="0"/>
+          <a:ext cx="0" cy="0"/>
+          <a:chOff x="0" y="0"/>
+          <a:chExt cx="0" cy="0"/>
+        </a:xfrm>
+      </p:grpSpPr>
+      <p:sp>
+        <p:nvSpPr>
+          <p:cNvPr id="2" name="Title 1"/>
+          <p:cNvSpPr>
+            <a:spLocks noGrp="1"/>
+          </p:cNvSpPr>
+          <p:nvPr>
+            <p:ph type="title"/>
+          </p:nvPr>
+        </p:nvSpPr>
+        <p:spPr/>
+        <p:txBody>
+          <a:bodyPr/>
+          <a:lstStyle/>
+          <a:p>
+            <a:r>
+              <a:rPr lang="en-US" dirty="0"/>
+              <a:t>Provide Context with Exceptions</a:t>
+            </a:r>
+            <a:br>
+              <a:rPr lang="en-US" dirty="0"/>
+            </a:br>
+            <a:endParaRPr lang="en-US" dirty="0"/>
+          </a:p>
+        </p:txBody>
+      </p:sp>
+      <p:sp>
+        <p:nvSpPr>
+          <p:cNvPr id="3" name="Content Placeholder 2"/>
+          <p:cNvSpPr>
+            <a:spLocks noGrp="1"/>
+          </p:cNvSpPr>
+          <p:nvPr>
+            <p:ph idx="1"/>
+          </p:nvPr>
+        </p:nvSpPr>
+        <p:spPr/>
+        <p:txBody>
+          <a:bodyPr/>
+          <a:lstStyle/>
+          <a:p>
+            <a:r>
+              <a:rPr lang="en-US" dirty="0" smtClean="0"/>
+              <a:t>Each exception should provide enough context to determine the source and location of an error.</a:t>
+            </a:r>
+            <a:endParaRPr lang="en-US" dirty="0"/>
+          </a:p>
+        </p:txBody>
+      </p:sp>
+    </p:spTree>
+    <p:extLst>
+      <p:ext uri="{BB962C8B-B14F-4D97-AF65-F5344CB8AC3E}">
+        <p14:creationId xmlns:p14="http://schemas.microsoft.com/office/powerpoint/2010/main" val="3095631075"/>
+      </p:ext>
+    </p:extLst>
+  </p:cSld>
+  <p:clrMapOvr>
+    <a:masterClrMapping/>
+  </p:clrMapOvr>
+</p:sld>
+</file>
+
+<file path=ppt/slides/slide27.xml><?xml version="1.0" encoding="utf-8"?>
+<p:sld xmlns:a="http://schemas.openxmlformats.org/drawingml/2006/main" xmlns:r="http://schemas.openxmlformats.org/officeDocument/2006/relationships" xmlns:p="http://schemas.openxmlformats.org/presentationml/2006/main">
+  <p:cSld>
+    <p:spTree>
+      <p:nvGrpSpPr>
+        <p:cNvPr id="1" name=""/>
+        <p:cNvGrpSpPr/>
+        <p:nvPr/>
+      </p:nvGrpSpPr>
+      <p:grpSpPr>
+        <a:xfrm>
+          <a:off x="0" y="0"/>
+          <a:ext cx="0" cy="0"/>
+          <a:chOff x="0" y="0"/>
+          <a:chExt cx="0" cy="0"/>
+        </a:xfrm>
+      </p:grpSpPr>
+      <p:sp>
+        <p:nvSpPr>
+          <p:cNvPr id="2" name="Title 1"/>
+          <p:cNvSpPr>
+            <a:spLocks noGrp="1"/>
+          </p:cNvSpPr>
+          <p:nvPr>
+            <p:ph type="title"/>
+          </p:nvPr>
+        </p:nvSpPr>
+        <p:spPr/>
+        <p:txBody>
+          <a:bodyPr/>
+          <a:lstStyle/>
+          <a:p>
+            <a:r>
+              <a:rPr lang="en-US" dirty="0"/>
+              <a:t>Don’t return NULL</a:t>
+            </a:r>
+            <a:br>
+              <a:rPr lang="en-US" dirty="0"/>
+            </a:br>
+            <a:endParaRPr lang="en-US" dirty="0"/>
+          </a:p>
+        </p:txBody>
+      </p:sp>
+      <p:sp>
+        <p:nvSpPr>
+          <p:cNvPr id="3" name="Content Placeholder 2"/>
+          <p:cNvSpPr>
+            <a:spLocks noGrp="1"/>
+          </p:cNvSpPr>
+          <p:nvPr>
+            <p:ph idx="1"/>
+          </p:nvPr>
+        </p:nvSpPr>
+        <p:spPr/>
+        <p:txBody>
+          <a:bodyPr/>
+          <a:lstStyle/>
+          <a:p>
+            <a:endParaRPr lang="en-US"/>
+          </a:p>
+        </p:txBody>
+      </p:sp>
+      <p:pic>
+        <p:nvPicPr>
+          <p:cNvPr id="4" name="Picture 3"/>
+          <p:cNvPicPr>
+            <a:picLocks noChangeAspect="1"/>
+          </p:cNvPicPr>
+          <p:nvPr/>
+        </p:nvPicPr>
+        <p:blipFill>
+          <a:blip r:embed="rId2"/>
+          <a:stretch>
+            <a:fillRect/>
+          </a:stretch>
+        </p:blipFill>
+        <p:spPr>
+          <a:xfrm>
+            <a:off x="879729" y="2052918"/>
+            <a:ext cx="7185783" cy="3628553"/>
+          </a:xfrm>
+          <a:prstGeom prst="rect">
+            <a:avLst/>
+          </a:prstGeom>
+        </p:spPr>
+      </p:pic>
+    </p:spTree>
+    <p:extLst>
+      <p:ext uri="{BB962C8B-B14F-4D97-AF65-F5344CB8AC3E}">
+        <p14:creationId xmlns:p14="http://schemas.microsoft.com/office/powerpoint/2010/main" val="771841616"/>
+      </p:ext>
+    </p:extLst>
+  </p:cSld>
+  <p:clrMapOvr>
+    <a:masterClrMapping/>
+  </p:clrMapOvr>
+</p:sld>
+</file>
+
+<file path=ppt/slides/slide28.xml><?xml version="1.0" encoding="utf-8"?>
+<p:sld xmlns:a="http://schemas.openxmlformats.org/drawingml/2006/main" xmlns:r="http://schemas.openxmlformats.org/officeDocument/2006/relationships" xmlns:p="http://schemas.openxmlformats.org/presentationml/2006/main">
+  <p:cSld>
+    <p:spTree>
+      <p:nvGrpSpPr>
+        <p:cNvPr id="1" name=""/>
+        <p:cNvGrpSpPr/>
+        <p:nvPr/>
+      </p:nvGrpSpPr>
+      <p:grpSpPr>
+        <a:xfrm>
+          <a:off x="0" y="0"/>
+          <a:ext cx="0" cy="0"/>
+          <a:chOff x="0" y="0"/>
+          <a:chExt cx="0" cy="0"/>
+        </a:xfrm>
+      </p:grpSpPr>
+      <p:sp>
+        <p:nvSpPr>
+          <p:cNvPr id="2" name="Title 1"/>
+          <p:cNvSpPr>
+            <a:spLocks noGrp="1"/>
+          </p:cNvSpPr>
+          <p:nvPr>
+            <p:ph type="title"/>
+          </p:nvPr>
+        </p:nvSpPr>
+        <p:spPr/>
+        <p:txBody>
+          <a:bodyPr/>
+          <a:lstStyle/>
+          <a:p>
+            <a:r>
+              <a:rPr lang="en-US" dirty="0"/>
+              <a:t>Unit Tests</a:t>
+            </a:r>
+            <a:br>
+              <a:rPr lang="en-US" dirty="0"/>
+            </a:br>
+            <a:endParaRPr lang="en-US" dirty="0"/>
+          </a:p>
+        </p:txBody>
+      </p:sp>
+      <p:sp>
+        <p:nvSpPr>
+          <p:cNvPr id="3" name="Content Placeholder 2"/>
+          <p:cNvSpPr>
+            <a:spLocks noGrp="1"/>
+          </p:cNvSpPr>
+          <p:nvPr>
+            <p:ph idx="1"/>
+          </p:nvPr>
+        </p:nvSpPr>
+        <p:spPr/>
+        <p:txBody>
+          <a:bodyPr/>
+          <a:lstStyle/>
+          <a:p>
+            <a:r>
+              <a:rPr lang="en-US" dirty="0" smtClean="0"/>
+              <a:t>Tests are as important to the health of a project as the production code is.</a:t>
+            </a:r>
+          </a:p>
+          <a:p>
+            <a:r>
+              <a:rPr lang="en-US" dirty="0" smtClean="0"/>
+              <a:t>F.I.R.S.T</a:t>
+            </a:r>
+          </a:p>
+          <a:p>
+            <a:pPr lvl="1"/>
+            <a:r>
+              <a:rPr lang="en-US" dirty="0" smtClean="0"/>
+              <a:t>Fast</a:t>
+            </a:r>
+          </a:p>
+          <a:p>
+            <a:pPr lvl="1"/>
+            <a:r>
+              <a:rPr lang="en-US" dirty="0" smtClean="0"/>
+              <a:t>Independent</a:t>
+            </a:r>
+          </a:p>
+          <a:p>
+            <a:pPr lvl="1"/>
+            <a:r>
+              <a:rPr lang="en-US" dirty="0" smtClean="0"/>
+              <a:t>Repeatable</a:t>
+            </a:r>
+          </a:p>
+          <a:p>
+            <a:pPr lvl="1"/>
+            <a:r>
+              <a:rPr lang="en-US" dirty="0" smtClean="0"/>
+              <a:t>Self-Validating</a:t>
+            </a:r>
+          </a:p>
+          <a:p>
+            <a:r>
+              <a:rPr lang="en-US" dirty="0" smtClean="0"/>
+              <a:t>DEMO</a:t>
+            </a:r>
+          </a:p>
+          <a:p>
+            <a:pPr lvl="1"/>
+            <a:r>
+              <a:rPr lang="en-US" dirty="0" err="1" smtClean="0"/>
+              <a:t>MSTest</a:t>
+            </a:r>
+            <a:endParaRPr lang="en-US" dirty="0"/>
+          </a:p>
+        </p:txBody>
+      </p:sp>
+    </p:spTree>
+    <p:extLst>
+      <p:ext uri="{BB962C8B-B14F-4D97-AF65-F5344CB8AC3E}">
+        <p14:creationId xmlns:p14="http://schemas.microsoft.com/office/powerpoint/2010/main" val="3731095281"/>
       </p:ext>
     </p:extLst>
   </p:cSld>
@@ -7356,12 +8670,6 @@
             <a:r>
               <a:rPr lang="en-US" dirty="0" smtClean="0"/>
               <a:t>Formatting</a:t>
-            </a:r>
-          </a:p>
-          <a:p>
-            <a:r>
-              <a:rPr lang="en-US" dirty="0" smtClean="0"/>
-              <a:t>Objects and Data Structures</a:t>
             </a:r>
           </a:p>
           <a:p>
